--- a/Thesis.pptx
+++ b/Thesis.pptx
@@ -135,6 +135,68 @@
 </p:presentation>
 </file>
 
+<file path=ppt/commentAuthors.xml><?xml version="1.0" encoding="utf-8"?>
+<p:cmAuthorLst xmlns:a="http://schemas.openxmlformats.org/drawingml/2006/main" xmlns:r="http://schemas.openxmlformats.org/officeDocument/2006/relationships" xmlns:p="http://schemas.openxmlformats.org/presentationml/2006/main">
+  <p:cmAuthor id="1" name="Damien da Silva Vaz" initials="DdSV" lastIdx="4" clrIdx="0">
+    <p:extLst/>
+  </p:cmAuthor>
+  <p:cmAuthor id="2" name="Damien da Silva Vaz" initials="DdSV [2]" lastIdx="1" clrIdx="1">
+    <p:extLst/>
+  </p:cmAuthor>
+  <p:cmAuthor id="3" name="Damien da Silva Vaz" initials="DdSV [3]" lastIdx="1" clrIdx="2">
+    <p:extLst/>
+  </p:cmAuthor>
+  <p:cmAuthor id="4" name="Damien da Silva Vaz" initials="DdSV [4]" lastIdx="1" clrIdx="3">
+    <p:extLst/>
+  </p:cmAuthor>
+  <p:cmAuthor id="5" name="Damien da Silva Vaz" initials="DdSV [5]" lastIdx="1" clrIdx="4">
+    <p:extLst/>
+  </p:cmAuthor>
+  <p:cmAuthor id="6" name="Damien da Silva Vaz" initials="DdSV [6]" lastIdx="1" clrIdx="5">
+    <p:extLst/>
+  </p:cmAuthor>
+  <p:cmAuthor id="7" name="Damien da Silva Vaz" initials="DdSV [7]" lastIdx="1" clrIdx="6">
+    <p:extLst/>
+  </p:cmAuthor>
+  <p:cmAuthor id="8" name="Damien da Silva Vaz" initials="DdSV [8]" lastIdx="1" clrIdx="7">
+    <p:extLst/>
+  </p:cmAuthor>
+  <p:cmAuthor id="9" name="Damien da Silva Vaz" initials="DdSV [9]" lastIdx="1" clrIdx="8">
+    <p:extLst/>
+  </p:cmAuthor>
+  <p:cmAuthor id="10" name="Damien da Silva Vaz" initials="DdSV [10]" lastIdx="1" clrIdx="9">
+    <p:extLst/>
+  </p:cmAuthor>
+  <p:cmAuthor id="11" name="Damien da Silva Vaz" initials="DdSV [11]" lastIdx="1" clrIdx="10">
+    <p:extLst/>
+  </p:cmAuthor>
+  <p:cmAuthor id="12" name="Damien da Silva Vaz" initials="DdSV [12]" lastIdx="1" clrIdx="11">
+    <p:extLst/>
+  </p:cmAuthor>
+  <p:cmAuthor id="13" name="Damien da Silva Vaz" initials="DdSV [13]" lastIdx="1" clrIdx="12">
+    <p:extLst/>
+  </p:cmAuthor>
+  <p:cmAuthor id="14" name="Damien da Silva Vaz" initials="DdSV [14]" lastIdx="1" clrIdx="13">
+    <p:extLst/>
+  </p:cmAuthor>
+  <p:cmAuthor id="15" name="Damien da Silva Vaz" initials="DdSV [15]" lastIdx="1" clrIdx="14">
+    <p:extLst/>
+  </p:cmAuthor>
+  <p:cmAuthor id="16" name="Damien da Silva Vaz" initials="DdSV [16]" lastIdx="1" clrIdx="15">
+    <p:extLst/>
+  </p:cmAuthor>
+  <p:cmAuthor id="17" name="Damien da Silva Vaz" initials="DdSV [17]" lastIdx="1" clrIdx="16">
+    <p:extLst/>
+  </p:cmAuthor>
+  <p:cmAuthor id="18" name="Damien da Silva Vaz" initials="DdSV [18]" lastIdx="1" clrIdx="17">
+    <p:extLst/>
+  </p:cmAuthor>
+  <p:cmAuthor id="19" name="Damien da Silva Vaz" initials="DdSV [19]" lastIdx="1" clrIdx="18">
+    <p:extLst/>
+  </p:cmAuthor>
+</p:cmAuthorLst>
+</file>
+
 <file path=ppt/handoutMasters/handoutMaster1.xml><?xml version="1.0" encoding="utf-8"?>
 <p:handoutMaster xmlns:a="http://schemas.openxmlformats.org/drawingml/2006/main" xmlns:r="http://schemas.openxmlformats.org/officeDocument/2006/relationships" xmlns:p="http://schemas.openxmlformats.org/presentationml/2006/main">
   <p:cSld>
@@ -217,7 +279,7 @@
           <a:p>
             <a:fld id="{6DB58862-2650-0842-85B5-8A6F0A4C217E}" type="datetimeFigureOut">
               <a:rPr lang="en-US" smtClean="0"/>
-              <a:t>6/8/16</a:t>
+              <a:t>6/12/16</a:t>
             </a:fld>
             <a:endParaRPr lang="en-US"/>
           </a:p>
@@ -383,7 +445,7 @@
           <a:p>
             <a:fld id="{4BCD38A6-D628-A54E-96B2-F483530A21EA}" type="datetimeFigureOut">
               <a:rPr lang="en-US" smtClean="0"/>
-              <a:t>6/8/16</a:t>
+              <a:t>6/12/16</a:t>
             </a:fld>
             <a:endParaRPr lang="en-US"/>
           </a:p>
@@ -696,7 +758,99 @@
           <a:bodyPr/>
           <a:lstStyle/>
           <a:p>
-            <a:endParaRPr lang="en-US"/>
+            <a:r>
+              <a:rPr lang="en-US" dirty="0" smtClean="0"/>
+              <a:t>Boa </a:t>
+            </a:r>
+            <a:r>
+              <a:rPr lang="en-US" dirty="0" err="1" smtClean="0"/>
+              <a:t>tarde</a:t>
+            </a:r>
+            <a:r>
+              <a:rPr lang="en-US" dirty="0" smtClean="0"/>
+              <a:t>, </a:t>
+            </a:r>
+            <a:r>
+              <a:rPr lang="en-US" dirty="0" err="1" smtClean="0"/>
+              <a:t>chamo</a:t>
+            </a:r>
+            <a:r>
+              <a:rPr lang="en-US" dirty="0" smtClean="0"/>
+              <a:t>-me Damien e </a:t>
+            </a:r>
+            <a:r>
+              <a:rPr lang="en-US" dirty="0" err="1" smtClean="0"/>
+              <a:t>venho-vos</a:t>
+            </a:r>
+            <a:r>
+              <a:rPr lang="en-US" dirty="0" smtClean="0"/>
+              <a:t> </a:t>
+            </a:r>
+            <a:r>
+              <a:rPr lang="en-US" dirty="0" err="1" smtClean="0"/>
+              <a:t>presentar</a:t>
+            </a:r>
+            <a:r>
+              <a:rPr lang="en-US" dirty="0" smtClean="0"/>
+              <a:t> o </a:t>
+            </a:r>
+            <a:r>
+              <a:rPr lang="en-US" dirty="0" err="1" smtClean="0"/>
+              <a:t>tema</a:t>
+            </a:r>
+            <a:r>
+              <a:rPr lang="en-US" dirty="0" smtClean="0"/>
+              <a:t> do meu </a:t>
+            </a:r>
+            <a:r>
+              <a:rPr lang="en-US" dirty="0" err="1" smtClean="0"/>
+              <a:t>projecto</a:t>
+            </a:r>
+            <a:r>
+              <a:rPr lang="en-US" dirty="0" smtClean="0"/>
+              <a:t> "implementing a syntax directed editor for </a:t>
+            </a:r>
+            <a:r>
+              <a:rPr lang="en-US" dirty="0" err="1" smtClean="0"/>
+              <a:t>Liss</a:t>
+            </a:r>
+            <a:r>
+              <a:rPr lang="en-US" dirty="0" smtClean="0"/>
+              <a:t>" com a </a:t>
+            </a:r>
+            <a:r>
+              <a:rPr lang="en-US" dirty="0" err="1" smtClean="0"/>
+              <a:t>colaberção</a:t>
+            </a:r>
+            <a:r>
+              <a:rPr lang="en-US" dirty="0" smtClean="0"/>
+              <a:t> dos meus </a:t>
+            </a:r>
+            <a:r>
+              <a:rPr lang="en-US" dirty="0" err="1" smtClean="0"/>
+              <a:t>professores</a:t>
+            </a:r>
+            <a:r>
+              <a:rPr lang="en-US" dirty="0" smtClean="0"/>
+              <a:t> Pedro Rangel </a:t>
+            </a:r>
+            <a:r>
+              <a:rPr lang="en-US" dirty="0" err="1" smtClean="0"/>
+              <a:t>Henriques</a:t>
+            </a:r>
+            <a:r>
+              <a:rPr lang="en-US" dirty="0" smtClean="0"/>
+              <a:t> e Daniela </a:t>
+            </a:r>
+            <a:r>
+              <a:rPr lang="en-US" dirty="0" err="1" smtClean="0"/>
+              <a:t>Carneiro</a:t>
+            </a:r>
+            <a:r>
+              <a:rPr lang="en-US" dirty="0" smtClean="0"/>
+              <a:t> da Cruz.</a:t>
+            </a:r>
+            <a:endParaRPr lang="en-US" dirty="0"/>
           </a:p>
         </p:txBody>
       </p:sp>
@@ -799,7 +953,23 @@
           <a:bodyPr/>
           <a:lstStyle/>
           <a:p>
-            <a:endParaRPr lang="en-US"/>
+            <a:r>
+              <a:rPr lang="en-US" dirty="0" err="1" smtClean="0"/>
+              <a:t>Vamos</a:t>
+            </a:r>
+            <a:r>
+              <a:rPr lang="en-US" dirty="0" smtClean="0"/>
+              <a:t> </a:t>
+            </a:r>
+            <a:r>
+              <a:rPr lang="en-US" dirty="0" err="1" smtClean="0"/>
+              <a:t>falar</a:t>
+            </a:r>
+            <a:r>
+              <a:rPr lang="en-US" dirty="0" smtClean="0"/>
+              <a:t> do SDE</a:t>
+            </a:r>
+            <a:endParaRPr lang="en-US" dirty="0"/>
           </a:p>
         </p:txBody>
       </p:sp>
@@ -902,7 +1072,419 @@
           <a:bodyPr/>
           <a:lstStyle/>
           <a:p>
-            <a:endParaRPr lang="en-US"/>
+            <a:r>
+              <a:rPr lang="en-US" dirty="0" smtClean="0"/>
+              <a:t>A interface do SDE </a:t>
+            </a:r>
+            <a:r>
+              <a:rPr lang="en-US" dirty="0" err="1" smtClean="0"/>
+              <a:t>é</a:t>
+            </a:r>
+            <a:r>
+              <a:rPr lang="en-US" dirty="0" smtClean="0"/>
+              <a:t> </a:t>
+            </a:r>
+            <a:r>
+              <a:rPr lang="en-US" dirty="0" err="1" smtClean="0"/>
+              <a:t>dividida</a:t>
+            </a:r>
+            <a:r>
+              <a:rPr lang="en-US" dirty="0" smtClean="0"/>
+              <a:t> </a:t>
+            </a:r>
+            <a:r>
+              <a:rPr lang="en-US" dirty="0" err="1" smtClean="0"/>
+              <a:t>por</a:t>
+            </a:r>
+            <a:r>
+              <a:rPr lang="en-US" dirty="0" smtClean="0"/>
+              <a:t> </a:t>
+            </a:r>
+            <a:r>
+              <a:rPr lang="en-US" dirty="0" err="1" smtClean="0"/>
+              <a:t>tres</a:t>
+            </a:r>
+            <a:r>
+              <a:rPr lang="en-US" dirty="0" smtClean="0"/>
+              <a:t> </a:t>
+            </a:r>
+            <a:r>
+              <a:rPr lang="en-US" dirty="0" err="1" smtClean="0"/>
+              <a:t>partes</a:t>
+            </a:r>
+            <a:r>
+              <a:rPr lang="en-US" dirty="0" smtClean="0"/>
+              <a:t> </a:t>
+            </a:r>
+            <a:r>
+              <a:rPr lang="en-US" dirty="0" err="1" smtClean="0"/>
+              <a:t>importantes</a:t>
+            </a:r>
+            <a:r>
+              <a:rPr lang="en-US" dirty="0" smtClean="0"/>
+              <a:t>.</a:t>
+            </a:r>
+            <a:br>
+              <a:rPr lang="en-US" dirty="0" smtClean="0"/>
+            </a:br>
+            <a:r>
+              <a:rPr lang="en-US" dirty="0" smtClean="0"/>
+              <a:t>Na </a:t>
+            </a:r>
+            <a:r>
+              <a:rPr lang="en-US" dirty="0" err="1" smtClean="0"/>
+              <a:t>caixa</a:t>
+            </a:r>
+            <a:r>
+              <a:rPr lang="en-US" dirty="0" smtClean="0"/>
+              <a:t> </a:t>
+            </a:r>
+            <a:r>
+              <a:rPr lang="en-US" dirty="0" err="1" smtClean="0"/>
+              <a:t>azul</a:t>
+            </a:r>
+            <a:r>
+              <a:rPr lang="en-US" dirty="0" smtClean="0"/>
+              <a:t> </a:t>
+            </a:r>
+            <a:r>
+              <a:rPr lang="en-US" dirty="0" err="1" smtClean="0"/>
+              <a:t>sao</a:t>
+            </a:r>
+            <a:r>
+              <a:rPr lang="en-US" dirty="0" smtClean="0"/>
+              <a:t> as </a:t>
+            </a:r>
+            <a:r>
+              <a:rPr lang="en-US" dirty="0" err="1" smtClean="0"/>
+              <a:t>regras</a:t>
+            </a:r>
+            <a:r>
+              <a:rPr lang="en-US" dirty="0" smtClean="0"/>
+              <a:t> da </a:t>
+            </a:r>
+            <a:r>
+              <a:rPr lang="en-US" dirty="0" err="1" smtClean="0"/>
+              <a:t>sintaxe</a:t>
+            </a:r>
+            <a:r>
+              <a:rPr lang="en-US" dirty="0" smtClean="0"/>
+              <a:t> da </a:t>
+            </a:r>
+            <a:r>
+              <a:rPr lang="en-US" dirty="0" err="1" smtClean="0"/>
+              <a:t>linguagem</a:t>
+            </a:r>
+            <a:r>
+              <a:rPr lang="en-US" dirty="0" smtClean="0"/>
+              <a:t> </a:t>
+            </a:r>
+            <a:r>
+              <a:rPr lang="en-US" dirty="0" err="1" smtClean="0"/>
+              <a:t>liss</a:t>
+            </a:r>
+            <a:r>
+              <a:rPr lang="en-US" dirty="0" smtClean="0"/>
+              <a:t>, no </a:t>
+            </a:r>
+            <a:r>
+              <a:rPr lang="en-US" dirty="0" err="1" smtClean="0"/>
+              <a:t>qual</a:t>
+            </a:r>
+            <a:r>
+              <a:rPr lang="en-US" dirty="0" smtClean="0"/>
+              <a:t> </a:t>
+            </a:r>
+            <a:r>
+              <a:rPr lang="en-US" dirty="0" err="1" smtClean="0"/>
+              <a:t>podemos</a:t>
+            </a:r>
+            <a:r>
+              <a:rPr lang="en-US" dirty="0" smtClean="0"/>
+              <a:t> </a:t>
+            </a:r>
+            <a:r>
+              <a:rPr lang="en-US" dirty="0" err="1" smtClean="0"/>
+              <a:t>ver</a:t>
+            </a:r>
+            <a:r>
+              <a:rPr lang="en-US" dirty="0" smtClean="0"/>
+              <a:t> que o </a:t>
+            </a:r>
+            <a:r>
+              <a:rPr lang="en-US" dirty="0" err="1" smtClean="0"/>
+              <a:t>axioma</a:t>
+            </a:r>
+            <a:r>
+              <a:rPr lang="en-US" dirty="0" smtClean="0"/>
+              <a:t> </a:t>
+            </a:r>
+            <a:r>
+              <a:rPr lang="en-US" dirty="0" err="1" smtClean="0"/>
+              <a:t>começa</a:t>
+            </a:r>
+            <a:r>
+              <a:rPr lang="en-US" dirty="0" smtClean="0"/>
+              <a:t> </a:t>
+            </a:r>
+            <a:r>
+              <a:rPr lang="en-US" dirty="0" err="1" smtClean="0"/>
+              <a:t>por</a:t>
+            </a:r>
+            <a:r>
+              <a:rPr lang="en-US" dirty="0" smtClean="0"/>
+              <a:t> "LISS".</a:t>
+            </a:r>
+            <a:br>
+              <a:rPr lang="en-US" dirty="0" smtClean="0"/>
+            </a:br>
+            <a:r>
+              <a:rPr lang="en-US" dirty="0" smtClean="0"/>
+              <a:t>Na </a:t>
+            </a:r>
+            <a:r>
+              <a:rPr lang="en-US" dirty="0" err="1" smtClean="0"/>
+              <a:t>caixa</a:t>
+            </a:r>
+            <a:r>
+              <a:rPr lang="en-US" dirty="0" smtClean="0"/>
+              <a:t> </a:t>
+            </a:r>
+            <a:r>
+              <a:rPr lang="en-US" dirty="0" err="1" smtClean="0"/>
+              <a:t>laranja</a:t>
+            </a:r>
+            <a:r>
+              <a:rPr lang="en-US" dirty="0" smtClean="0"/>
+              <a:t>, </a:t>
+            </a:r>
+            <a:r>
+              <a:rPr lang="en-US" dirty="0" err="1" smtClean="0"/>
+              <a:t>é</a:t>
+            </a:r>
+            <a:r>
+              <a:rPr lang="en-US" dirty="0" smtClean="0"/>
+              <a:t> o </a:t>
+            </a:r>
+            <a:r>
+              <a:rPr lang="en-US" dirty="0" err="1" smtClean="0"/>
+              <a:t>codigo</a:t>
+            </a:r>
+            <a:r>
+              <a:rPr lang="en-US" dirty="0" smtClean="0"/>
+              <a:t> </a:t>
+            </a:r>
+            <a:r>
+              <a:rPr lang="en-US" dirty="0" err="1" smtClean="0"/>
+              <a:t>liss</a:t>
+            </a:r>
+            <a:r>
+              <a:rPr lang="en-US" dirty="0" smtClean="0"/>
+              <a:t> a </a:t>
+            </a:r>
+            <a:r>
+              <a:rPr lang="en-US" dirty="0" err="1" smtClean="0"/>
+              <a:t>ser</a:t>
+            </a:r>
+            <a:r>
+              <a:rPr lang="en-US" dirty="0" smtClean="0"/>
+              <a:t> </a:t>
+            </a:r>
+            <a:r>
+              <a:rPr lang="en-US" dirty="0" err="1" smtClean="0"/>
+              <a:t>gerado</a:t>
+            </a:r>
+            <a:r>
+              <a:rPr lang="en-US" dirty="0" smtClean="0"/>
+              <a:t> </a:t>
+            </a:r>
+            <a:r>
+              <a:rPr lang="en-US" dirty="0" err="1" smtClean="0"/>
+              <a:t>consoante</a:t>
+            </a:r>
+            <a:r>
+              <a:rPr lang="en-US" dirty="0" smtClean="0"/>
+              <a:t> as </a:t>
+            </a:r>
+            <a:r>
+              <a:rPr lang="en-US" dirty="0" err="1" smtClean="0"/>
+              <a:t>regras</a:t>
+            </a:r>
+            <a:r>
+              <a:rPr lang="en-US" dirty="0" smtClean="0"/>
+              <a:t> que </a:t>
+            </a:r>
+            <a:r>
+              <a:rPr lang="en-US" dirty="0" err="1" smtClean="0"/>
+              <a:t>foram</a:t>
+            </a:r>
+            <a:r>
+              <a:rPr lang="en-US" dirty="0" smtClean="0"/>
+              <a:t> </a:t>
+            </a:r>
+            <a:r>
+              <a:rPr lang="en-US" dirty="0" err="1" smtClean="0"/>
+              <a:t>feitas</a:t>
+            </a:r>
+            <a:r>
+              <a:rPr lang="en-US" dirty="0" smtClean="0"/>
+              <a:t> </a:t>
+            </a:r>
+            <a:r>
+              <a:rPr lang="en-US" dirty="0" err="1" smtClean="0"/>
+              <a:t>na</a:t>
+            </a:r>
+            <a:r>
+              <a:rPr lang="en-US" dirty="0" smtClean="0"/>
+              <a:t> </a:t>
+            </a:r>
+            <a:r>
+              <a:rPr lang="en-US" dirty="0" err="1" smtClean="0"/>
+              <a:t>caixa</a:t>
+            </a:r>
+            <a:r>
+              <a:rPr lang="en-US" dirty="0" smtClean="0"/>
+              <a:t> </a:t>
+            </a:r>
+            <a:r>
+              <a:rPr lang="en-US" dirty="0" err="1" smtClean="0"/>
+              <a:t>azul</a:t>
+            </a:r>
+            <a:r>
+              <a:rPr lang="en-US" dirty="0" smtClean="0"/>
+              <a:t>.</a:t>
+            </a:r>
+            <a:br>
+              <a:rPr lang="en-US" dirty="0" smtClean="0"/>
+            </a:br>
+            <a:r>
+              <a:rPr lang="en-US" dirty="0" smtClean="0"/>
+              <a:t>e </a:t>
+            </a:r>
+            <a:r>
+              <a:rPr lang="en-US" dirty="0" err="1" smtClean="0"/>
+              <a:t>na</a:t>
+            </a:r>
+            <a:r>
+              <a:rPr lang="en-US" dirty="0" smtClean="0"/>
+              <a:t> </a:t>
+            </a:r>
+            <a:r>
+              <a:rPr lang="en-US" dirty="0" err="1" smtClean="0"/>
+              <a:t>caixa</a:t>
+            </a:r>
+            <a:r>
+              <a:rPr lang="en-US" dirty="0" smtClean="0"/>
+              <a:t> </a:t>
+            </a:r>
+            <a:r>
+              <a:rPr lang="en-US" dirty="0" err="1" smtClean="0"/>
+              <a:t>amarelo</a:t>
+            </a:r>
+            <a:r>
+              <a:rPr lang="en-US" dirty="0" smtClean="0"/>
+              <a:t>, </a:t>
+            </a:r>
+            <a:r>
+              <a:rPr lang="en-US" dirty="0" err="1" smtClean="0"/>
+              <a:t>sao</a:t>
+            </a:r>
+            <a:r>
+              <a:rPr lang="en-US" dirty="0" smtClean="0"/>
+              <a:t> as </a:t>
+            </a:r>
+            <a:r>
+              <a:rPr lang="en-US" dirty="0" err="1" smtClean="0"/>
+              <a:t>informaçoes</a:t>
+            </a:r>
+            <a:r>
+              <a:rPr lang="en-US" dirty="0" smtClean="0"/>
+              <a:t> de </a:t>
+            </a:r>
+            <a:r>
+              <a:rPr lang="en-US" dirty="0" err="1" smtClean="0"/>
+              <a:t>erros</a:t>
+            </a:r>
+            <a:r>
+              <a:rPr lang="en-US" dirty="0" smtClean="0"/>
+              <a:t> </a:t>
+            </a:r>
+            <a:r>
+              <a:rPr lang="en-US" dirty="0" err="1" smtClean="0"/>
+              <a:t>semanticos</a:t>
+            </a:r>
+            <a:r>
+              <a:rPr lang="en-US" dirty="0" smtClean="0"/>
+              <a:t> da </a:t>
+            </a:r>
+            <a:r>
+              <a:rPr lang="en-US" dirty="0" err="1" smtClean="0"/>
+              <a:t>linguagem</a:t>
+            </a:r>
+            <a:r>
+              <a:rPr lang="en-US" dirty="0" smtClean="0"/>
+              <a:t> </a:t>
+            </a:r>
+            <a:r>
+              <a:rPr lang="en-US" dirty="0" err="1" smtClean="0"/>
+              <a:t>liss</a:t>
+            </a:r>
+            <a:r>
+              <a:rPr lang="en-US" dirty="0" smtClean="0"/>
+              <a:t> </a:t>
+            </a:r>
+            <a:r>
+              <a:rPr lang="en-US" dirty="0" err="1" smtClean="0"/>
+              <a:t>ou</a:t>
+            </a:r>
+            <a:r>
+              <a:rPr lang="en-US" dirty="0" smtClean="0"/>
+              <a:t> </a:t>
+            </a:r>
+            <a:r>
+              <a:rPr lang="en-US" dirty="0" err="1" smtClean="0"/>
+              <a:t>erros</a:t>
+            </a:r>
+            <a:r>
+              <a:rPr lang="en-US" dirty="0" smtClean="0"/>
+              <a:t> do SDE. </a:t>
+            </a:r>
+            <a:r>
+              <a:rPr lang="en-US" dirty="0" err="1" smtClean="0"/>
+              <a:t>Apenas</a:t>
+            </a:r>
+            <a:r>
+              <a:rPr lang="en-US" dirty="0" smtClean="0"/>
+              <a:t> a </a:t>
+            </a:r>
+            <a:r>
+              <a:rPr lang="en-US" dirty="0" err="1" smtClean="0"/>
+              <a:t>titulo</a:t>
+            </a:r>
+            <a:r>
+              <a:rPr lang="en-US" dirty="0" smtClean="0"/>
+              <a:t> </a:t>
+            </a:r>
+            <a:r>
+              <a:rPr lang="en-US" dirty="0" err="1" smtClean="0"/>
+              <a:t>informativo</a:t>
+            </a:r>
+            <a:r>
+              <a:rPr lang="en-US" dirty="0" smtClean="0"/>
+              <a:t> para o </a:t>
+            </a:r>
+            <a:r>
+              <a:rPr lang="en-US" dirty="0" err="1" smtClean="0"/>
+              <a:t>utilizador</a:t>
+            </a:r>
+            <a:r>
+              <a:rPr lang="en-US" dirty="0" smtClean="0"/>
+              <a:t>.</a:t>
+            </a:r>
+            <a:br>
+              <a:rPr lang="en-US" dirty="0" smtClean="0"/>
+            </a:br>
+            <a:endParaRPr lang="en-US" dirty="0"/>
           </a:p>
         </p:txBody>
       </p:sp>
@@ -1726,7 +2308,296 @@
           <a:bodyPr/>
           <a:lstStyle/>
           <a:p>
-            <a:endParaRPr lang="en-US"/>
+            <a:r>
+              <a:rPr lang="en-US" dirty="0" err="1" smtClean="0"/>
+              <a:t>Portanto</a:t>
+            </a:r>
+            <a:r>
+              <a:rPr lang="en-US" dirty="0" smtClean="0"/>
+              <a:t> </a:t>
+            </a:r>
+            <a:r>
+              <a:rPr lang="en-US" dirty="0" err="1" smtClean="0"/>
+              <a:t>vamos</a:t>
+            </a:r>
+            <a:r>
+              <a:rPr lang="en-US" dirty="0" smtClean="0"/>
+              <a:t> </a:t>
+            </a:r>
+            <a:r>
+              <a:rPr lang="en-US" dirty="0" err="1" smtClean="0"/>
+              <a:t>falar</a:t>
+            </a:r>
+            <a:r>
+              <a:rPr lang="en-US" dirty="0" smtClean="0"/>
+              <a:t> dos </a:t>
+            </a:r>
+            <a:r>
+              <a:rPr lang="en-US" dirty="0" err="1" smtClean="0"/>
+              <a:t>nossos</a:t>
+            </a:r>
+            <a:r>
+              <a:rPr lang="en-US" dirty="0" smtClean="0"/>
+              <a:t> </a:t>
+            </a:r>
+            <a:r>
+              <a:rPr lang="en-US" dirty="0" err="1" smtClean="0"/>
+              <a:t>objectivos</a:t>
+            </a:r>
+            <a:r>
+              <a:rPr lang="en-US" dirty="0" smtClean="0"/>
+              <a:t> que </a:t>
+            </a:r>
+            <a:r>
+              <a:rPr lang="en-US" dirty="0" err="1" smtClean="0"/>
+              <a:t>foram</a:t>
+            </a:r>
+            <a:r>
+              <a:rPr lang="en-US" dirty="0" smtClean="0"/>
+              <a:t> </a:t>
+            </a:r>
+            <a:r>
+              <a:rPr lang="en-US" dirty="0" err="1" smtClean="0"/>
+              <a:t>discutidos</a:t>
+            </a:r>
+            <a:r>
+              <a:rPr lang="en-US" dirty="0" smtClean="0"/>
+              <a:t> </a:t>
+            </a:r>
+            <a:r>
+              <a:rPr lang="en-US" dirty="0" err="1" smtClean="0"/>
+              <a:t>ao</a:t>
+            </a:r>
+            <a:r>
+              <a:rPr lang="en-US" dirty="0" smtClean="0"/>
+              <a:t> </a:t>
+            </a:r>
+            <a:r>
+              <a:rPr lang="en-US" dirty="0" err="1" smtClean="0"/>
+              <a:t>longo</a:t>
+            </a:r>
+            <a:r>
+              <a:rPr lang="en-US" dirty="0" smtClean="0"/>
+              <a:t> do </a:t>
+            </a:r>
+            <a:r>
+              <a:rPr lang="en-US" dirty="0" err="1" smtClean="0"/>
+              <a:t>nosso</a:t>
+            </a:r>
+            <a:r>
+              <a:rPr lang="en-US" dirty="0" smtClean="0"/>
+              <a:t> </a:t>
+            </a:r>
+            <a:r>
+              <a:rPr lang="en-US" dirty="0" err="1" smtClean="0"/>
+              <a:t>projecto</a:t>
+            </a:r>
+            <a:r>
+              <a:rPr lang="en-US" dirty="0" smtClean="0"/>
+              <a:t>:</a:t>
+            </a:r>
+            <a:br>
+              <a:rPr lang="en-US" dirty="0" smtClean="0"/>
+            </a:br>
+            <a:r>
+              <a:rPr lang="en-US" dirty="0" smtClean="0"/>
+              <a:t>-</a:t>
+            </a:r>
+            <a:r>
+              <a:rPr lang="en-US" dirty="0" err="1" smtClean="0"/>
+              <a:t>Implementamos</a:t>
+            </a:r>
+            <a:r>
+              <a:rPr lang="en-US" dirty="0" smtClean="0"/>
+              <a:t> a </a:t>
+            </a:r>
+            <a:r>
+              <a:rPr lang="en-US" dirty="0" err="1" smtClean="0"/>
+              <a:t>linguagem</a:t>
+            </a:r>
+            <a:r>
+              <a:rPr lang="en-US" dirty="0" smtClean="0"/>
+              <a:t> </a:t>
+            </a:r>
+            <a:r>
+              <a:rPr lang="en-US" dirty="0" err="1" smtClean="0"/>
+              <a:t>Liss</a:t>
+            </a:r>
+            <a:r>
+              <a:rPr lang="en-US" dirty="0" smtClean="0"/>
+              <a:t> com </a:t>
+            </a:r>
+            <a:r>
+              <a:rPr lang="en-US" dirty="0" err="1" smtClean="0"/>
+              <a:t>antlr</a:t>
+            </a:r>
+            <a:r>
+              <a:rPr lang="en-US" dirty="0" smtClean="0"/>
+              <a:t> </a:t>
+            </a:r>
+            <a:r>
+              <a:rPr lang="en-US" dirty="0" err="1" smtClean="0"/>
+              <a:t>atraves</a:t>
+            </a:r>
+            <a:r>
+              <a:rPr lang="en-US" dirty="0" smtClean="0"/>
+              <a:t> de </a:t>
+            </a:r>
+            <a:r>
+              <a:rPr lang="en-US" dirty="0" err="1" smtClean="0"/>
+              <a:t>uma</a:t>
+            </a:r>
+            <a:r>
+              <a:rPr lang="en-US" dirty="0" smtClean="0"/>
+              <a:t> </a:t>
+            </a:r>
+            <a:r>
+              <a:rPr lang="en-US" dirty="0" err="1" smtClean="0"/>
+              <a:t>gramatica</a:t>
+            </a:r>
+            <a:r>
+              <a:rPr lang="en-US" dirty="0" smtClean="0"/>
+              <a:t> de </a:t>
+            </a:r>
+            <a:r>
+              <a:rPr lang="en-US" dirty="0" err="1" smtClean="0"/>
+              <a:t>atributos</a:t>
+            </a:r>
+            <a:r>
+              <a:rPr lang="en-US" dirty="0" smtClean="0"/>
+              <a:t> </a:t>
+            </a:r>
+            <a:r>
+              <a:rPr lang="en-US" dirty="0" err="1" smtClean="0"/>
+              <a:t>em</a:t>
+            </a:r>
+            <a:r>
+              <a:rPr lang="en-US" dirty="0" smtClean="0"/>
+              <a:t> </a:t>
+            </a:r>
+            <a:r>
+              <a:rPr lang="en-US" dirty="0" err="1" smtClean="0"/>
+              <a:t>primeiro</a:t>
+            </a:r>
+            <a:r>
+              <a:rPr lang="en-US" dirty="0" smtClean="0"/>
+              <a:t> tempo.</a:t>
+            </a:r>
+            <a:br>
+              <a:rPr lang="en-US" dirty="0" smtClean="0"/>
+            </a:br>
+            <a:r>
+              <a:rPr lang="en-US" dirty="0" smtClean="0"/>
+              <a:t>- </a:t>
+            </a:r>
+            <a:r>
+              <a:rPr lang="en-US" dirty="0" err="1" smtClean="0"/>
+              <a:t>depois</a:t>
+            </a:r>
+            <a:r>
+              <a:rPr lang="en-US" dirty="0" smtClean="0"/>
+              <a:t> </a:t>
+            </a:r>
+            <a:r>
+              <a:rPr lang="en-US" dirty="0" err="1" smtClean="0"/>
+              <a:t>focamos</a:t>
+            </a:r>
+            <a:r>
+              <a:rPr lang="en-US" dirty="0" smtClean="0"/>
+              <a:t> </a:t>
+            </a:r>
+            <a:r>
+              <a:rPr lang="en-US" dirty="0" err="1" smtClean="0"/>
+              <a:t>na</a:t>
+            </a:r>
+            <a:r>
+              <a:rPr lang="en-US" dirty="0" smtClean="0"/>
+              <a:t> </a:t>
+            </a:r>
+            <a:r>
+              <a:rPr lang="en-US" dirty="0" err="1" smtClean="0"/>
+              <a:t>implementaçao</a:t>
+            </a:r>
+            <a:r>
+              <a:rPr lang="en-US" dirty="0" smtClean="0"/>
+              <a:t> de um </a:t>
+            </a:r>
+            <a:r>
+              <a:rPr lang="en-US" dirty="0" err="1" smtClean="0"/>
+              <a:t>gerador</a:t>
+            </a:r>
+            <a:r>
+              <a:rPr lang="en-US" dirty="0" smtClean="0"/>
+              <a:t> de </a:t>
+            </a:r>
+            <a:r>
+              <a:rPr lang="en-US" dirty="0" err="1" smtClean="0"/>
+              <a:t>mips</a:t>
+            </a:r>
+            <a:r>
+              <a:rPr lang="en-US" dirty="0" smtClean="0"/>
+              <a:t> assembly code para a </a:t>
+            </a:r>
+            <a:r>
+              <a:rPr lang="en-US" dirty="0" err="1" smtClean="0"/>
+              <a:t>linguagem</a:t>
+            </a:r>
+            <a:r>
+              <a:rPr lang="en-US" dirty="0" smtClean="0"/>
+              <a:t> </a:t>
+            </a:r>
+            <a:r>
+              <a:rPr lang="en-US" dirty="0" err="1" smtClean="0"/>
+              <a:t>Liss</a:t>
+            </a:r>
+            <a:endParaRPr lang="en-US" dirty="0" smtClean="0"/>
+          </a:p>
+          <a:p>
+            <a:r>
+              <a:rPr lang="en-US" dirty="0" smtClean="0"/>
+              <a:t>- E </a:t>
+            </a:r>
+            <a:r>
+              <a:rPr lang="en-US" dirty="0" err="1" smtClean="0"/>
+              <a:t>por</a:t>
+            </a:r>
+            <a:r>
+              <a:rPr lang="en-US" dirty="0" smtClean="0"/>
+              <a:t> </a:t>
+            </a:r>
+            <a:r>
+              <a:rPr lang="en-US" dirty="0" err="1" smtClean="0"/>
+              <a:t>fim</a:t>
+            </a:r>
+            <a:r>
+              <a:rPr lang="en-US" dirty="0" smtClean="0"/>
+              <a:t>, </a:t>
+            </a:r>
+            <a:r>
+              <a:rPr lang="en-US" dirty="0" err="1" smtClean="0"/>
+              <a:t>criar</a:t>
+            </a:r>
+            <a:r>
+              <a:rPr lang="en-US" dirty="0" smtClean="0"/>
+              <a:t> um editor </a:t>
+            </a:r>
+            <a:r>
+              <a:rPr lang="en-US" dirty="0" err="1" smtClean="0"/>
+              <a:t>gerado</a:t>
+            </a:r>
+            <a:r>
+              <a:rPr lang="en-US" dirty="0" smtClean="0"/>
+              <a:t> pela </a:t>
+            </a:r>
+            <a:r>
+              <a:rPr lang="en-US" dirty="0" err="1" smtClean="0"/>
+              <a:t>sintaxe</a:t>
+            </a:r>
+            <a:r>
+              <a:rPr lang="en-US" dirty="0" smtClean="0"/>
+              <a:t>.</a:t>
+            </a:r>
+            <a:endParaRPr lang="en-US" dirty="0"/>
           </a:p>
         </p:txBody>
       </p:sp>
@@ -1829,7 +2700,278 @@
           <a:bodyPr/>
           <a:lstStyle/>
           <a:p>
-            <a:endParaRPr lang="en-US"/>
+            <a:r>
+              <a:rPr lang="en-US" dirty="0" smtClean="0"/>
+              <a:t>Agora </a:t>
+            </a:r>
+            <a:r>
+              <a:rPr lang="en-US" dirty="0" err="1" smtClean="0"/>
+              <a:t>vamos</a:t>
+            </a:r>
+            <a:r>
+              <a:rPr lang="en-US" dirty="0" smtClean="0"/>
+              <a:t> </a:t>
+            </a:r>
+            <a:r>
+              <a:rPr lang="en-US" dirty="0" err="1" smtClean="0"/>
+              <a:t>falar</a:t>
+            </a:r>
+            <a:r>
+              <a:rPr lang="en-US" dirty="0" smtClean="0"/>
+              <a:t> da </a:t>
+            </a:r>
+            <a:r>
+              <a:rPr lang="en-US" dirty="0" err="1" smtClean="0"/>
+              <a:t>linguagem</a:t>
+            </a:r>
+            <a:r>
+              <a:rPr lang="en-US" dirty="0" smtClean="0"/>
+              <a:t> </a:t>
+            </a:r>
+            <a:r>
+              <a:rPr lang="en-US" dirty="0" err="1" smtClean="0"/>
+              <a:t>LISS.Linguagem</a:t>
+            </a:r>
+            <a:r>
+              <a:rPr lang="en-US" dirty="0" smtClean="0"/>
+              <a:t> </a:t>
+            </a:r>
+            <a:r>
+              <a:rPr lang="en-US" dirty="0" err="1" smtClean="0"/>
+              <a:t>criada</a:t>
+            </a:r>
+            <a:r>
+              <a:rPr lang="en-US" dirty="0" smtClean="0"/>
+              <a:t> </a:t>
+            </a:r>
+            <a:r>
+              <a:rPr lang="en-US" dirty="0" err="1" smtClean="0"/>
+              <a:t>por</a:t>
+            </a:r>
+            <a:r>
+              <a:rPr lang="en-US" dirty="0" smtClean="0"/>
+              <a:t> </a:t>
+            </a:r>
+            <a:r>
+              <a:rPr lang="en-US" dirty="0" err="1" smtClean="0"/>
+              <a:t>professores</a:t>
+            </a:r>
+            <a:r>
+              <a:rPr lang="en-US" dirty="0" smtClean="0"/>
+              <a:t> da </a:t>
+            </a:r>
+            <a:r>
+              <a:rPr lang="en-US" dirty="0" err="1" smtClean="0"/>
+              <a:t>universidade</a:t>
+            </a:r>
+            <a:r>
+              <a:rPr lang="en-US" dirty="0" smtClean="0"/>
+              <a:t> do </a:t>
+            </a:r>
+            <a:r>
+              <a:rPr lang="en-US" dirty="0" err="1" smtClean="0"/>
+              <a:t>minho</a:t>
+            </a:r>
+            <a:r>
+              <a:rPr lang="en-US" dirty="0" smtClean="0"/>
+              <a:t>, tem </a:t>
+            </a:r>
+            <a:r>
+              <a:rPr lang="en-US" dirty="0" err="1" smtClean="0"/>
+              <a:t>como</a:t>
+            </a:r>
+            <a:r>
+              <a:rPr lang="en-US" dirty="0" smtClean="0"/>
+              <a:t> </a:t>
+            </a:r>
+            <a:r>
+              <a:rPr lang="en-US" dirty="0" err="1" smtClean="0"/>
+              <a:t>vocação</a:t>
+            </a:r>
+            <a:r>
+              <a:rPr lang="en-US" dirty="0" smtClean="0"/>
+              <a:t> para  </a:t>
+            </a:r>
+            <a:r>
+              <a:rPr lang="en-US" dirty="0" err="1" smtClean="0"/>
+              <a:t>usar</a:t>
+            </a:r>
+            <a:r>
+              <a:rPr lang="en-US" dirty="0" smtClean="0"/>
+              <a:t> </a:t>
+            </a:r>
+            <a:r>
+              <a:rPr lang="en-US" dirty="0" err="1" smtClean="0"/>
+              <a:t>os</a:t>
+            </a:r>
+            <a:r>
+              <a:rPr lang="en-US" dirty="0" smtClean="0"/>
+              <a:t> </a:t>
+            </a:r>
+            <a:r>
+              <a:rPr lang="en-US" dirty="0" err="1" smtClean="0"/>
+              <a:t>tipos</a:t>
+            </a:r>
+            <a:r>
+              <a:rPr lang="en-US" dirty="0" smtClean="0"/>
+              <a:t> </a:t>
+            </a:r>
+            <a:r>
+              <a:rPr lang="en-US" dirty="0" err="1" smtClean="0"/>
+              <a:t>inteiros</a:t>
+            </a:r>
+            <a:r>
+              <a:rPr lang="en-US" dirty="0" smtClean="0"/>
+              <a:t>, </a:t>
+            </a:r>
+            <a:r>
+              <a:rPr lang="en-US" dirty="0" err="1" smtClean="0"/>
+              <a:t>sequencias</a:t>
+            </a:r>
+            <a:r>
+              <a:rPr lang="en-US" dirty="0" smtClean="0"/>
+              <a:t>, </a:t>
+            </a:r>
+            <a:r>
+              <a:rPr lang="en-US" dirty="0" err="1" smtClean="0"/>
+              <a:t>conjuntos</a:t>
+            </a:r>
+            <a:r>
+              <a:rPr lang="en-US" dirty="0" smtClean="0"/>
+              <a:t> e </a:t>
+            </a:r>
+            <a:r>
+              <a:rPr lang="en-US" dirty="0" err="1" smtClean="0"/>
+              <a:t>funçoes</a:t>
+            </a:r>
+            <a:r>
+              <a:rPr lang="en-US" dirty="0" smtClean="0"/>
+              <a:t>.</a:t>
+            </a:r>
+            <a:br>
+              <a:rPr lang="en-US" dirty="0" smtClean="0"/>
+            </a:br>
+            <a:r>
+              <a:rPr lang="en-US" dirty="0" err="1" smtClean="0"/>
+              <a:t>Abilitado</a:t>
+            </a:r>
+            <a:r>
+              <a:rPr lang="en-US" dirty="0" smtClean="0"/>
+              <a:t> para </a:t>
+            </a:r>
+            <a:r>
+              <a:rPr lang="en-US" dirty="0" err="1" smtClean="0"/>
+              <a:t>criar</a:t>
+            </a:r>
+            <a:r>
+              <a:rPr lang="en-US" dirty="0" smtClean="0"/>
+              <a:t> </a:t>
+            </a:r>
+            <a:r>
+              <a:rPr lang="en-US" dirty="0" err="1" smtClean="0"/>
+              <a:t>constantes</a:t>
+            </a:r>
+            <a:r>
+              <a:rPr lang="en-US" dirty="0" smtClean="0"/>
+              <a:t> e </a:t>
+            </a:r>
+            <a:r>
+              <a:rPr lang="en-US" dirty="0" err="1" smtClean="0"/>
+              <a:t>variaveis</a:t>
+            </a:r>
+            <a:r>
+              <a:rPr lang="en-US" dirty="0" smtClean="0"/>
+              <a:t> que </a:t>
+            </a:r>
+            <a:r>
+              <a:rPr lang="en-US" dirty="0" err="1" smtClean="0"/>
+              <a:t>podem</a:t>
+            </a:r>
+            <a:r>
+              <a:rPr lang="en-US" dirty="0" smtClean="0"/>
+              <a:t> </a:t>
+            </a:r>
+            <a:r>
+              <a:rPr lang="en-US" dirty="0" err="1" smtClean="0"/>
+              <a:t>ser</a:t>
+            </a:r>
+            <a:r>
+              <a:rPr lang="en-US" dirty="0" smtClean="0"/>
+              <a:t> </a:t>
+            </a:r>
+            <a:r>
+              <a:rPr lang="en-US" dirty="0" err="1" smtClean="0"/>
+              <a:t>atomicos</a:t>
+            </a:r>
+            <a:r>
+              <a:rPr lang="en-US" dirty="0" smtClean="0"/>
+              <a:t> (</a:t>
+            </a:r>
+            <a:r>
+              <a:rPr lang="en-US" dirty="0" err="1" smtClean="0"/>
+              <a:t>booleanos</a:t>
+            </a:r>
+            <a:r>
+              <a:rPr lang="en-US" dirty="0" smtClean="0"/>
+              <a:t> e </a:t>
+            </a:r>
+            <a:r>
+              <a:rPr lang="en-US" dirty="0" err="1" smtClean="0"/>
+              <a:t>inteiros</a:t>
+            </a:r>
+            <a:r>
+              <a:rPr lang="en-US" dirty="0" smtClean="0"/>
+              <a:t>) </a:t>
+            </a:r>
+            <a:r>
+              <a:rPr lang="en-US" dirty="0" err="1" smtClean="0"/>
+              <a:t>ou</a:t>
+            </a:r>
+            <a:r>
+              <a:rPr lang="en-US" dirty="0" smtClean="0"/>
+              <a:t> </a:t>
+            </a:r>
+            <a:r>
+              <a:rPr lang="en-US" dirty="0" err="1" smtClean="0"/>
+              <a:t>estruturados</a:t>
+            </a:r>
+            <a:r>
+              <a:rPr lang="en-US" dirty="0" smtClean="0"/>
+              <a:t> ( </a:t>
+            </a:r>
+            <a:r>
+              <a:rPr lang="en-US" dirty="0" err="1" smtClean="0"/>
+              <a:t>como</a:t>
+            </a:r>
+            <a:r>
+              <a:rPr lang="en-US" dirty="0" smtClean="0"/>
+              <a:t> </a:t>
+            </a:r>
+            <a:r>
+              <a:rPr lang="en-US" dirty="0" err="1" smtClean="0"/>
+              <a:t>sequencias</a:t>
+            </a:r>
+            <a:r>
+              <a:rPr lang="en-US" dirty="0" smtClean="0"/>
+              <a:t>, arrays </a:t>
+            </a:r>
+            <a:r>
+              <a:rPr lang="en-US" dirty="0" err="1" smtClean="0"/>
+              <a:t>ou</a:t>
+            </a:r>
+            <a:r>
+              <a:rPr lang="en-US" dirty="0" smtClean="0"/>
+              <a:t> </a:t>
+            </a:r>
+            <a:r>
+              <a:rPr lang="en-US" dirty="0" err="1" smtClean="0"/>
+              <a:t>conjuntos</a:t>
+            </a:r>
+            <a:r>
+              <a:rPr lang="en-US" dirty="0" smtClean="0"/>
+              <a:t>)</a:t>
+            </a:r>
+            <a:endParaRPr lang="en-US" dirty="0"/>
           </a:p>
         </p:txBody>
       </p:sp>
@@ -1932,7 +3074,365 @@
           <a:bodyPr/>
           <a:lstStyle/>
           <a:p>
-            <a:endParaRPr lang="en-US"/>
+            <a:r>
+              <a:rPr lang="en-US" dirty="0" smtClean="0"/>
+              <a:t>Um </a:t>
+            </a:r>
+            <a:r>
+              <a:rPr lang="en-US" dirty="0" err="1" smtClean="0"/>
+              <a:t>exemplo</a:t>
+            </a:r>
+            <a:r>
+              <a:rPr lang="en-US" dirty="0" smtClean="0"/>
+              <a:t> da </a:t>
+            </a:r>
+            <a:r>
+              <a:rPr lang="en-US" dirty="0" err="1" smtClean="0"/>
+              <a:t>Linguagem</a:t>
+            </a:r>
+            <a:r>
+              <a:rPr lang="en-US" dirty="0" smtClean="0"/>
+              <a:t> </a:t>
+            </a:r>
+            <a:r>
+              <a:rPr lang="en-US" dirty="0" err="1" smtClean="0"/>
+              <a:t>Liss</a:t>
+            </a:r>
+            <a:r>
+              <a:rPr lang="en-US" dirty="0" smtClean="0"/>
+              <a:t>:</a:t>
+            </a:r>
+            <a:br>
+              <a:rPr lang="en-US" dirty="0" smtClean="0"/>
+            </a:br>
+            <a:r>
+              <a:rPr lang="en-US" dirty="0" err="1" smtClean="0"/>
+              <a:t>portanto</a:t>
+            </a:r>
+            <a:r>
+              <a:rPr lang="en-US" dirty="0" smtClean="0"/>
+              <a:t> a </a:t>
+            </a:r>
+            <a:r>
+              <a:rPr lang="en-US" dirty="0" err="1" smtClean="0"/>
+              <a:t>linguagem</a:t>
+            </a:r>
+            <a:r>
+              <a:rPr lang="en-US" dirty="0" smtClean="0"/>
+              <a:t> </a:t>
+            </a:r>
+            <a:r>
+              <a:rPr lang="en-US" dirty="0" err="1" smtClean="0"/>
+              <a:t>liss</a:t>
+            </a:r>
+            <a:r>
+              <a:rPr lang="en-US" dirty="0" smtClean="0"/>
+              <a:t> tem </a:t>
+            </a:r>
+            <a:r>
+              <a:rPr lang="en-US" dirty="0" err="1" smtClean="0"/>
+              <a:t>uma</a:t>
+            </a:r>
+            <a:r>
+              <a:rPr lang="en-US" dirty="0" smtClean="0"/>
+              <a:t> </a:t>
+            </a:r>
+            <a:r>
+              <a:rPr lang="en-US" dirty="0" err="1" smtClean="0"/>
+              <a:t>sintaxe</a:t>
+            </a:r>
+            <a:r>
+              <a:rPr lang="en-US" dirty="0" smtClean="0"/>
+              <a:t> </a:t>
+            </a:r>
+            <a:r>
+              <a:rPr lang="en-US" dirty="0" err="1" smtClean="0"/>
+              <a:t>em</a:t>
+            </a:r>
+            <a:r>
+              <a:rPr lang="en-US" dirty="0" smtClean="0"/>
+              <a:t> que se </a:t>
+            </a:r>
+            <a:r>
+              <a:rPr lang="en-US" dirty="0" err="1" smtClean="0"/>
+              <a:t>começa</a:t>
+            </a:r>
+            <a:r>
+              <a:rPr lang="en-US" dirty="0" smtClean="0"/>
+              <a:t> a </a:t>
+            </a:r>
+            <a:r>
+              <a:rPr lang="en-US" dirty="0" err="1" smtClean="0"/>
+              <a:t>descrever</a:t>
+            </a:r>
+            <a:r>
+              <a:rPr lang="en-US" dirty="0" smtClean="0"/>
+              <a:t> o </a:t>
+            </a:r>
+            <a:r>
+              <a:rPr lang="en-US" dirty="0" err="1" smtClean="0"/>
+              <a:t>nome</a:t>
+            </a:r>
+            <a:r>
+              <a:rPr lang="en-US" dirty="0" smtClean="0"/>
+              <a:t> do </a:t>
+            </a:r>
+            <a:r>
+              <a:rPr lang="en-US" dirty="0" err="1" smtClean="0"/>
+              <a:t>programa</a:t>
+            </a:r>
+            <a:r>
+              <a:rPr lang="en-US" dirty="0" smtClean="0"/>
+              <a:t> e </a:t>
+            </a:r>
+            <a:r>
+              <a:rPr lang="en-US" dirty="0" err="1" smtClean="0"/>
+              <a:t>depois</a:t>
+            </a:r>
+            <a:r>
+              <a:rPr lang="en-US" dirty="0" smtClean="0"/>
+              <a:t> </a:t>
+            </a:r>
+            <a:r>
+              <a:rPr lang="en-US" dirty="0" err="1" smtClean="0"/>
+              <a:t>dividasse</a:t>
+            </a:r>
+            <a:r>
+              <a:rPr lang="en-US" dirty="0" smtClean="0"/>
+              <a:t> </a:t>
+            </a:r>
+            <a:r>
+              <a:rPr lang="en-US" dirty="0" err="1" smtClean="0"/>
+              <a:t>por</a:t>
+            </a:r>
+            <a:r>
+              <a:rPr lang="en-US" dirty="0" smtClean="0"/>
+              <a:t> </a:t>
+            </a:r>
+            <a:r>
+              <a:rPr lang="en-US" dirty="0" err="1" smtClean="0"/>
+              <a:t>duas</a:t>
+            </a:r>
+            <a:r>
+              <a:rPr lang="en-US" dirty="0" smtClean="0"/>
+              <a:t> </a:t>
+            </a:r>
+            <a:r>
+              <a:rPr lang="en-US" dirty="0" err="1" smtClean="0"/>
+              <a:t>partes</a:t>
+            </a:r>
+            <a:r>
+              <a:rPr lang="en-US" dirty="0" smtClean="0"/>
+              <a:t>. A </a:t>
+            </a:r>
+            <a:r>
+              <a:rPr lang="en-US" dirty="0" err="1" smtClean="0"/>
+              <a:t>primeira</a:t>
+            </a:r>
+            <a:r>
+              <a:rPr lang="en-US" dirty="0" smtClean="0"/>
+              <a:t> parte </a:t>
+            </a:r>
+            <a:r>
+              <a:rPr lang="en-US" dirty="0" err="1" smtClean="0"/>
+              <a:t>onde</a:t>
+            </a:r>
+            <a:r>
+              <a:rPr lang="en-US" dirty="0" smtClean="0"/>
+              <a:t> se </a:t>
+            </a:r>
+            <a:r>
+              <a:rPr lang="en-US" dirty="0" err="1" smtClean="0"/>
+              <a:t>fazem</a:t>
+            </a:r>
+            <a:r>
+              <a:rPr lang="en-US" dirty="0" smtClean="0"/>
+              <a:t> as </a:t>
+            </a:r>
+            <a:r>
+              <a:rPr lang="en-US" dirty="0" err="1" smtClean="0"/>
+              <a:t>declaraçoes</a:t>
+            </a:r>
+            <a:r>
+              <a:rPr lang="en-US" dirty="0" smtClean="0"/>
+              <a:t> das </a:t>
+            </a:r>
+            <a:r>
+              <a:rPr lang="en-US" dirty="0" err="1" smtClean="0"/>
+              <a:t>variaveis</a:t>
+            </a:r>
+            <a:r>
+              <a:rPr lang="en-US" dirty="0" smtClean="0"/>
+              <a:t> e a </a:t>
+            </a:r>
+            <a:r>
+              <a:rPr lang="en-US" dirty="0" err="1" smtClean="0"/>
+              <a:t>segunda</a:t>
+            </a:r>
+            <a:r>
+              <a:rPr lang="en-US" dirty="0" smtClean="0"/>
+              <a:t> parte </a:t>
+            </a:r>
+            <a:r>
+              <a:rPr lang="en-US" dirty="0" err="1" smtClean="0"/>
+              <a:t>referida</a:t>
+            </a:r>
+            <a:r>
+              <a:rPr lang="en-US" dirty="0" smtClean="0"/>
+              <a:t> </a:t>
+            </a:r>
+            <a:r>
+              <a:rPr lang="en-US" dirty="0" err="1" smtClean="0"/>
+              <a:t>por</a:t>
+            </a:r>
+            <a:r>
+              <a:rPr lang="en-US" dirty="0" smtClean="0"/>
+              <a:t> "statements", </a:t>
+            </a:r>
+            <a:r>
+              <a:rPr lang="en-US" dirty="0" err="1" smtClean="0"/>
+              <a:t>onde</a:t>
+            </a:r>
+            <a:r>
+              <a:rPr lang="en-US" dirty="0" smtClean="0"/>
+              <a:t> se </a:t>
+            </a:r>
+            <a:r>
+              <a:rPr lang="en-US" dirty="0" err="1" smtClean="0"/>
+              <a:t>descreve</a:t>
+            </a:r>
+            <a:r>
+              <a:rPr lang="en-US" dirty="0" smtClean="0"/>
+              <a:t> o </a:t>
+            </a:r>
+            <a:r>
+              <a:rPr lang="en-US" dirty="0" err="1" smtClean="0"/>
+              <a:t>decurso</a:t>
+            </a:r>
+            <a:r>
+              <a:rPr lang="en-US" dirty="0" smtClean="0"/>
+              <a:t> do </a:t>
+            </a:r>
+            <a:r>
+              <a:rPr lang="en-US" dirty="0" err="1" smtClean="0"/>
+              <a:t>programa</a:t>
+            </a:r>
+            <a:r>
+              <a:rPr lang="en-US" dirty="0" smtClean="0"/>
+              <a:t>.</a:t>
+            </a:r>
+            <a:br>
+              <a:rPr lang="en-US" dirty="0" smtClean="0"/>
+            </a:br>
+            <a:r>
+              <a:rPr lang="en-US" dirty="0" smtClean="0"/>
+              <a:t>De </a:t>
+            </a:r>
+            <a:r>
+              <a:rPr lang="en-US" dirty="0" err="1" smtClean="0"/>
+              <a:t>realçar</a:t>
+            </a:r>
+            <a:r>
+              <a:rPr lang="en-US" dirty="0" smtClean="0"/>
+              <a:t> que </a:t>
+            </a:r>
+            <a:r>
+              <a:rPr lang="en-US" dirty="0" err="1" smtClean="0"/>
+              <a:t>também</a:t>
+            </a:r>
+            <a:r>
+              <a:rPr lang="en-US" dirty="0" smtClean="0"/>
+              <a:t> </a:t>
+            </a:r>
+            <a:r>
+              <a:rPr lang="en-US" dirty="0" err="1" smtClean="0"/>
+              <a:t>existe</a:t>
+            </a:r>
+            <a:r>
+              <a:rPr lang="en-US" dirty="0" smtClean="0"/>
+              <a:t> a </a:t>
+            </a:r>
+            <a:r>
+              <a:rPr lang="en-US" dirty="0" err="1" smtClean="0"/>
+              <a:t>possibilidade</a:t>
+            </a:r>
+            <a:r>
+              <a:rPr lang="en-US" dirty="0" smtClean="0"/>
+              <a:t> </a:t>
+            </a:r>
+            <a:r>
+              <a:rPr lang="en-US" dirty="0" err="1" smtClean="0"/>
+              <a:t>em</a:t>
+            </a:r>
+            <a:r>
+              <a:rPr lang="en-US" dirty="0" smtClean="0"/>
+              <a:t> </a:t>
+            </a:r>
+            <a:r>
+              <a:rPr lang="en-US" dirty="0" err="1" smtClean="0"/>
+              <a:t>criar</a:t>
+            </a:r>
+            <a:r>
+              <a:rPr lang="en-US" dirty="0" smtClean="0"/>
+              <a:t> </a:t>
+            </a:r>
+            <a:r>
+              <a:rPr lang="en-US" dirty="0" err="1" smtClean="0"/>
+              <a:t>funçoes</a:t>
+            </a:r>
+            <a:r>
+              <a:rPr lang="en-US" dirty="0" smtClean="0"/>
+              <a:t> e que </a:t>
+            </a:r>
+            <a:r>
+              <a:rPr lang="en-US" dirty="0" err="1" smtClean="0"/>
+              <a:t>só</a:t>
+            </a:r>
+            <a:r>
+              <a:rPr lang="en-US" dirty="0" smtClean="0"/>
+              <a:t> o </a:t>
+            </a:r>
+            <a:r>
+              <a:rPr lang="en-US" dirty="0" err="1" smtClean="0"/>
+              <a:t>pode</a:t>
+            </a:r>
+            <a:r>
+              <a:rPr lang="en-US" dirty="0" smtClean="0"/>
+              <a:t> </a:t>
+            </a:r>
+            <a:r>
+              <a:rPr lang="en-US" dirty="0" err="1" smtClean="0"/>
+              <a:t>ser</a:t>
+            </a:r>
+            <a:r>
+              <a:rPr lang="en-US" dirty="0" smtClean="0"/>
+              <a:t> </a:t>
+            </a:r>
+            <a:r>
+              <a:rPr lang="en-US" dirty="0" err="1" smtClean="0"/>
+              <a:t>na</a:t>
+            </a:r>
+            <a:r>
+              <a:rPr lang="en-US" dirty="0" smtClean="0"/>
+              <a:t> </a:t>
+            </a:r>
+            <a:r>
+              <a:rPr lang="en-US" dirty="0" err="1" smtClean="0"/>
+              <a:t>secção</a:t>
+            </a:r>
+            <a:r>
+              <a:rPr lang="en-US" dirty="0" smtClean="0"/>
+              <a:t> das das </a:t>
+            </a:r>
+            <a:r>
+              <a:rPr lang="en-US" dirty="0" err="1" smtClean="0"/>
+              <a:t>declarações</a:t>
+            </a:r>
+            <a:r>
+              <a:rPr lang="en-US" dirty="0" smtClean="0"/>
+              <a:t>.</a:t>
+            </a:r>
+            <a:endParaRPr lang="en-US" dirty="0"/>
           </a:p>
         </p:txBody>
       </p:sp>
@@ -2035,7 +3535,155 @@
           <a:bodyPr/>
           <a:lstStyle/>
           <a:p>
-            <a:endParaRPr lang="en-US"/>
+            <a:r>
+              <a:rPr lang="en-US" dirty="0" smtClean="0"/>
+              <a:t>A </a:t>
+            </a:r>
+            <a:r>
+              <a:rPr lang="en-US" dirty="0" err="1" smtClean="0"/>
+              <a:t>linguagem</a:t>
+            </a:r>
+            <a:r>
+              <a:rPr lang="en-US" dirty="0" smtClean="0"/>
+              <a:t> </a:t>
+            </a:r>
+            <a:r>
+              <a:rPr lang="en-US" dirty="0" err="1" smtClean="0"/>
+              <a:t>Liss</a:t>
+            </a:r>
+            <a:r>
+              <a:rPr lang="en-US" dirty="0" smtClean="0"/>
+              <a:t> que </a:t>
+            </a:r>
+            <a:r>
+              <a:rPr lang="en-US" dirty="0" err="1" smtClean="0"/>
+              <a:t>foi</a:t>
+            </a:r>
+            <a:r>
+              <a:rPr lang="en-US" dirty="0" smtClean="0"/>
+              <a:t> </a:t>
+            </a:r>
+            <a:r>
+              <a:rPr lang="en-US" dirty="0" err="1" smtClean="0"/>
+              <a:t>criada</a:t>
+            </a:r>
+            <a:r>
+              <a:rPr lang="en-US" dirty="0" smtClean="0"/>
+              <a:t> </a:t>
+            </a:r>
+            <a:r>
+              <a:rPr lang="en-US" dirty="0" err="1" smtClean="0"/>
+              <a:t>em</a:t>
+            </a:r>
+            <a:r>
+              <a:rPr lang="en-US" dirty="0" smtClean="0"/>
+              <a:t> 1986, </a:t>
+            </a:r>
+            <a:r>
+              <a:rPr lang="en-US" dirty="0" err="1" smtClean="0"/>
+              <a:t>passou</a:t>
+            </a:r>
+            <a:r>
+              <a:rPr lang="en-US" dirty="0" smtClean="0"/>
+              <a:t> </a:t>
+            </a:r>
+            <a:r>
+              <a:rPr lang="en-US" dirty="0" err="1" smtClean="0"/>
+              <a:t>por</a:t>
+            </a:r>
+            <a:r>
+              <a:rPr lang="en-US" dirty="0" smtClean="0"/>
+              <a:t> </a:t>
+            </a:r>
+            <a:r>
+              <a:rPr lang="en-US" dirty="0" err="1" smtClean="0"/>
+              <a:t>varios</a:t>
+            </a:r>
+            <a:r>
+              <a:rPr lang="en-US" dirty="0" smtClean="0"/>
+              <a:t> </a:t>
+            </a:r>
+            <a:r>
+              <a:rPr lang="en-US" dirty="0" err="1" smtClean="0"/>
+              <a:t>geradores</a:t>
+            </a:r>
+            <a:r>
+              <a:rPr lang="en-US" dirty="0" smtClean="0"/>
+              <a:t> de </a:t>
+            </a:r>
+            <a:r>
+              <a:rPr lang="en-US" dirty="0" err="1" smtClean="0"/>
+              <a:t>compiladores</a:t>
+            </a:r>
+            <a:r>
+              <a:rPr lang="en-US" dirty="0" smtClean="0"/>
+              <a:t>. </a:t>
+            </a:r>
+            <a:r>
+              <a:rPr lang="en-US" dirty="0" err="1" smtClean="0"/>
+              <a:t>Começou</a:t>
+            </a:r>
+            <a:r>
+              <a:rPr lang="en-US" dirty="0" smtClean="0"/>
+              <a:t> com YACC, </a:t>
+            </a:r>
+            <a:r>
+              <a:rPr lang="en-US" dirty="0" err="1" smtClean="0"/>
+              <a:t>depois</a:t>
+            </a:r>
+            <a:r>
+              <a:rPr lang="en-US" dirty="0" smtClean="0"/>
+              <a:t> LISA e </a:t>
+            </a:r>
+            <a:r>
+              <a:rPr lang="en-US" dirty="0" err="1" smtClean="0"/>
+              <a:t>por</a:t>
+            </a:r>
+            <a:r>
+              <a:rPr lang="en-US" dirty="0" smtClean="0"/>
+              <a:t> </a:t>
+            </a:r>
+            <a:r>
+              <a:rPr lang="en-US" dirty="0" err="1" smtClean="0"/>
+              <a:t>fim</a:t>
+            </a:r>
+            <a:r>
+              <a:rPr lang="en-US" dirty="0" smtClean="0"/>
+              <a:t>, com o </a:t>
+            </a:r>
+            <a:r>
+              <a:rPr lang="en-US" dirty="0" err="1" smtClean="0"/>
+              <a:t>nosso</a:t>
+            </a:r>
+            <a:r>
+              <a:rPr lang="en-US" dirty="0" smtClean="0"/>
+              <a:t> </a:t>
+            </a:r>
+            <a:r>
+              <a:rPr lang="en-US" dirty="0" err="1" smtClean="0"/>
+              <a:t>projecto</a:t>
+            </a:r>
+            <a:r>
+              <a:rPr lang="en-US" dirty="0" smtClean="0"/>
+              <a:t>, </a:t>
+            </a:r>
+            <a:r>
+              <a:rPr lang="en-US" dirty="0" err="1" smtClean="0"/>
+              <a:t>por</a:t>
+            </a:r>
+            <a:r>
+              <a:rPr lang="en-US" dirty="0" smtClean="0"/>
+              <a:t> </a:t>
+            </a:r>
+            <a:r>
+              <a:rPr lang="en-US" dirty="0" err="1" smtClean="0"/>
+              <a:t>Antlr</a:t>
+            </a:r>
+            <a:r>
+              <a:rPr lang="en-US" dirty="0" smtClean="0"/>
+              <a:t>.</a:t>
+            </a:r>
+            <a:endParaRPr lang="en-US" dirty="0"/>
           </a:p>
         </p:txBody>
       </p:sp>
@@ -2138,7 +3786,363 @@
           <a:bodyPr/>
           <a:lstStyle/>
           <a:p>
-            <a:endParaRPr lang="en-US"/>
+            <a:r>
+              <a:rPr lang="en-US" dirty="0" smtClean="0"/>
+              <a:t>Agora </a:t>
+            </a:r>
+            <a:r>
+              <a:rPr lang="en-US" dirty="0" err="1" smtClean="0"/>
+              <a:t>vamos</a:t>
+            </a:r>
+            <a:r>
+              <a:rPr lang="en-US" dirty="0" smtClean="0"/>
+              <a:t> </a:t>
+            </a:r>
+            <a:r>
+              <a:rPr lang="en-US" dirty="0" err="1" smtClean="0"/>
+              <a:t>falar</a:t>
+            </a:r>
+            <a:r>
+              <a:rPr lang="en-US" dirty="0" smtClean="0"/>
+              <a:t> de MIPS. </a:t>
+            </a:r>
+            <a:r>
+              <a:rPr lang="en-US" dirty="0" err="1" smtClean="0"/>
+              <a:t>Mips</a:t>
+            </a:r>
+            <a:r>
+              <a:rPr lang="en-US" dirty="0" smtClean="0"/>
+              <a:t> de Microprocessor without interlocked pipeline stages </a:t>
+            </a:r>
+            <a:r>
+              <a:rPr lang="en-US" dirty="0" err="1" smtClean="0"/>
+              <a:t>adopta</a:t>
+            </a:r>
+            <a:r>
+              <a:rPr lang="en-US" dirty="0" smtClean="0"/>
+              <a:t> </a:t>
+            </a:r>
+            <a:r>
+              <a:rPr lang="en-US" dirty="0" err="1" smtClean="0"/>
+              <a:t>uma</a:t>
+            </a:r>
+            <a:r>
+              <a:rPr lang="en-US" dirty="0" smtClean="0"/>
+              <a:t> </a:t>
+            </a:r>
+            <a:r>
+              <a:rPr lang="en-US" dirty="0" err="1" smtClean="0"/>
+              <a:t>arquitectura</a:t>
+            </a:r>
+            <a:r>
+              <a:rPr lang="en-US" dirty="0" smtClean="0"/>
+              <a:t> RISC de Reduced Instruction Set Computer. </a:t>
+            </a:r>
+            <a:r>
+              <a:rPr lang="en-US" dirty="0" err="1" smtClean="0"/>
+              <a:t>É</a:t>
+            </a:r>
+            <a:r>
+              <a:rPr lang="en-US" dirty="0" smtClean="0"/>
+              <a:t> </a:t>
+            </a:r>
+            <a:r>
+              <a:rPr lang="en-US" dirty="0" err="1" smtClean="0"/>
+              <a:t>uma</a:t>
+            </a:r>
+            <a:r>
+              <a:rPr lang="en-US" dirty="0" smtClean="0"/>
+              <a:t> </a:t>
+            </a:r>
+            <a:r>
+              <a:rPr lang="en-US" dirty="0" err="1" smtClean="0"/>
+              <a:t>arquitectura</a:t>
+            </a:r>
+            <a:r>
+              <a:rPr lang="en-US" dirty="0" smtClean="0"/>
+              <a:t> </a:t>
+            </a:r>
+            <a:r>
+              <a:rPr lang="en-US" dirty="0" err="1" smtClean="0"/>
+              <a:t>muito</a:t>
+            </a:r>
+            <a:r>
+              <a:rPr lang="en-US" dirty="0" smtClean="0"/>
+              <a:t> </a:t>
+            </a:r>
+            <a:r>
+              <a:rPr lang="en-US" dirty="0" err="1" smtClean="0"/>
+              <a:t>mais</a:t>
+            </a:r>
+            <a:r>
+              <a:rPr lang="en-US" dirty="0" smtClean="0"/>
+              <a:t> simples do que CISC. Tem 32 </a:t>
+            </a:r>
+            <a:r>
+              <a:rPr lang="en-US" dirty="0" err="1" smtClean="0"/>
+              <a:t>registos</a:t>
+            </a:r>
+            <a:r>
+              <a:rPr lang="en-US" dirty="0" smtClean="0"/>
+              <a:t> e 6 </a:t>
+            </a:r>
+            <a:r>
+              <a:rPr lang="en-US" dirty="0" err="1" smtClean="0"/>
+              <a:t>grupos</a:t>
+            </a:r>
+            <a:r>
+              <a:rPr lang="en-US" dirty="0" smtClean="0"/>
+              <a:t> de </a:t>
+            </a:r>
+            <a:r>
+              <a:rPr lang="en-US" dirty="0" err="1" smtClean="0"/>
+              <a:t>instruçoes</a:t>
+            </a:r>
+            <a:r>
+              <a:rPr lang="en-US" dirty="0" smtClean="0"/>
+              <a:t> que </a:t>
+            </a:r>
+            <a:r>
+              <a:rPr lang="en-US" dirty="0" err="1" smtClean="0"/>
+              <a:t>passam</a:t>
+            </a:r>
+            <a:r>
+              <a:rPr lang="en-US" dirty="0" smtClean="0"/>
+              <a:t> </a:t>
+            </a:r>
+            <a:r>
+              <a:rPr lang="en-US" dirty="0" err="1" smtClean="0"/>
+              <a:t>por</a:t>
+            </a:r>
+            <a:r>
+              <a:rPr lang="en-US" dirty="0" smtClean="0"/>
+              <a:t> </a:t>
+            </a:r>
+            <a:r>
+              <a:rPr lang="en-US" dirty="0" err="1" smtClean="0"/>
+              <a:t>aritmetico</a:t>
+            </a:r>
+            <a:r>
+              <a:rPr lang="en-US" dirty="0" smtClean="0"/>
+              <a:t>, </a:t>
+            </a:r>
+            <a:r>
+              <a:rPr lang="en-US" dirty="0" err="1" smtClean="0"/>
+              <a:t>transferencia</a:t>
+            </a:r>
+            <a:r>
+              <a:rPr lang="en-US" dirty="0" smtClean="0"/>
+              <a:t> de dados, </a:t>
+            </a:r>
+            <a:r>
+              <a:rPr lang="en-US" dirty="0" err="1" smtClean="0"/>
+              <a:t>logica</a:t>
+            </a:r>
+            <a:r>
+              <a:rPr lang="en-US" dirty="0" smtClean="0"/>
+              <a:t>, </a:t>
+            </a:r>
+            <a:r>
+              <a:rPr lang="en-US" dirty="0" err="1" smtClean="0"/>
+              <a:t>deslocamento</a:t>
+            </a:r>
+            <a:r>
+              <a:rPr lang="en-US" dirty="0" smtClean="0"/>
+              <a:t> de bit a bit, </a:t>
+            </a:r>
+            <a:r>
+              <a:rPr lang="en-US" dirty="0" err="1" smtClean="0"/>
+              <a:t>desvio</a:t>
+            </a:r>
+            <a:r>
+              <a:rPr lang="en-US" dirty="0" smtClean="0"/>
+              <a:t> </a:t>
+            </a:r>
+            <a:r>
+              <a:rPr lang="en-US" dirty="0" err="1" smtClean="0"/>
+              <a:t>condicional</a:t>
+            </a:r>
+            <a:r>
+              <a:rPr lang="en-US" dirty="0" smtClean="0"/>
+              <a:t> (</a:t>
+            </a:r>
+            <a:r>
+              <a:rPr lang="en-US" dirty="0" err="1" smtClean="0"/>
+              <a:t>beq</a:t>
+            </a:r>
+            <a:r>
+              <a:rPr lang="en-US" dirty="0" smtClean="0"/>
+              <a:t>), </a:t>
+            </a:r>
+            <a:r>
+              <a:rPr lang="en-US" dirty="0" err="1" smtClean="0"/>
+              <a:t>desvio</a:t>
+            </a:r>
+            <a:r>
+              <a:rPr lang="en-US" dirty="0" smtClean="0"/>
+              <a:t> </a:t>
+            </a:r>
+            <a:r>
+              <a:rPr lang="en-US" dirty="0" err="1" smtClean="0"/>
+              <a:t>incondicional</a:t>
+            </a:r>
+            <a:r>
+              <a:rPr lang="en-US" dirty="0" smtClean="0"/>
+              <a:t> (jump instruction). </a:t>
+            </a:r>
+            <a:r>
+              <a:rPr lang="en-US" dirty="0" err="1" smtClean="0"/>
+              <a:t>Existe</a:t>
+            </a:r>
+            <a:r>
+              <a:rPr lang="en-US" dirty="0" smtClean="0"/>
+              <a:t> </a:t>
+            </a:r>
+            <a:r>
+              <a:rPr lang="en-US" dirty="0" err="1" smtClean="0"/>
+              <a:t>como</a:t>
+            </a:r>
+            <a:r>
+              <a:rPr lang="en-US" dirty="0" smtClean="0"/>
+              <a:t> </a:t>
+            </a:r>
+            <a:r>
+              <a:rPr lang="en-US" dirty="0" err="1" smtClean="0"/>
+              <a:t>referido</a:t>
+            </a:r>
+            <a:r>
+              <a:rPr lang="en-US" dirty="0" smtClean="0"/>
+              <a:t> no </a:t>
+            </a:r>
+            <a:r>
+              <a:rPr lang="en-US" dirty="0" err="1" smtClean="0"/>
+              <a:t>powerpoint</a:t>
+            </a:r>
+            <a:r>
+              <a:rPr lang="en-US" dirty="0" smtClean="0"/>
+              <a:t> </a:t>
+            </a:r>
+            <a:r>
+              <a:rPr lang="en-US" dirty="0" err="1" smtClean="0"/>
+              <a:t>instruçoes</a:t>
+            </a:r>
+            <a:r>
+              <a:rPr lang="en-US" dirty="0" smtClean="0"/>
+              <a:t> para </a:t>
+            </a:r>
+            <a:r>
+              <a:rPr lang="en-US" dirty="0" err="1" smtClean="0"/>
+              <a:t>uso</a:t>
+            </a:r>
+            <a:r>
+              <a:rPr lang="en-US" dirty="0" smtClean="0"/>
+              <a:t> de </a:t>
+            </a:r>
+            <a:r>
+              <a:rPr lang="en-US" dirty="0" err="1" smtClean="0"/>
+              <a:t>inteiros</a:t>
+            </a:r>
+            <a:r>
+              <a:rPr lang="en-US" dirty="0" smtClean="0"/>
+              <a:t> </a:t>
+            </a:r>
+            <a:r>
+              <a:rPr lang="en-US" dirty="0" err="1" smtClean="0"/>
+              <a:t>ou</a:t>
+            </a:r>
+            <a:r>
+              <a:rPr lang="en-US" dirty="0" smtClean="0"/>
+              <a:t> </a:t>
+            </a:r>
+            <a:r>
+              <a:rPr lang="en-US" dirty="0" err="1" smtClean="0"/>
+              <a:t>virgulas</a:t>
+            </a:r>
+            <a:r>
+              <a:rPr lang="en-US" dirty="0" smtClean="0"/>
+              <a:t> </a:t>
+            </a:r>
+            <a:r>
+              <a:rPr lang="en-US" dirty="0" err="1" smtClean="0"/>
+              <a:t>flutantes</a:t>
+            </a:r>
+            <a:r>
+              <a:rPr lang="en-US" dirty="0" smtClean="0"/>
+              <a:t>. Mas </a:t>
+            </a:r>
+            <a:r>
+              <a:rPr lang="en-US" dirty="0" err="1" smtClean="0"/>
+              <a:t>como</a:t>
+            </a:r>
+            <a:r>
+              <a:rPr lang="en-US" dirty="0" smtClean="0"/>
+              <a:t> a </a:t>
+            </a:r>
+            <a:r>
+              <a:rPr lang="en-US" dirty="0" err="1" smtClean="0"/>
+              <a:t>Linguagem</a:t>
+            </a:r>
+            <a:r>
+              <a:rPr lang="en-US" dirty="0" smtClean="0"/>
+              <a:t> LISS </a:t>
+            </a:r>
+            <a:r>
+              <a:rPr lang="en-US" dirty="0" err="1" smtClean="0"/>
+              <a:t>é</a:t>
+            </a:r>
+            <a:r>
+              <a:rPr lang="en-US" dirty="0" smtClean="0"/>
+              <a:t> </a:t>
+            </a:r>
+            <a:r>
+              <a:rPr lang="en-US" dirty="0" err="1" smtClean="0"/>
+              <a:t>virada</a:t>
+            </a:r>
+            <a:r>
+              <a:rPr lang="en-US" dirty="0" smtClean="0"/>
+              <a:t> para </a:t>
+            </a:r>
+            <a:r>
+              <a:rPr lang="en-US" dirty="0" err="1" smtClean="0"/>
+              <a:t>inteiros</a:t>
+            </a:r>
+            <a:r>
+              <a:rPr lang="en-US" dirty="0" smtClean="0"/>
+              <a:t>. So </a:t>
+            </a:r>
+            <a:r>
+              <a:rPr lang="en-US" dirty="0" err="1" smtClean="0"/>
+              <a:t>foram</a:t>
+            </a:r>
+            <a:r>
+              <a:rPr lang="en-US" dirty="0" smtClean="0"/>
+              <a:t> </a:t>
+            </a:r>
+            <a:r>
+              <a:rPr lang="en-US" dirty="0" err="1" smtClean="0"/>
+              <a:t>usadas</a:t>
+            </a:r>
+            <a:r>
+              <a:rPr lang="en-US" dirty="0" smtClean="0"/>
+              <a:t> </a:t>
+            </a:r>
+            <a:r>
+              <a:rPr lang="en-US" dirty="0" err="1" smtClean="0"/>
+              <a:t>instruçoes</a:t>
+            </a:r>
+            <a:r>
+              <a:rPr lang="en-US" dirty="0" smtClean="0"/>
+              <a:t> para </a:t>
+            </a:r>
+            <a:r>
+              <a:rPr lang="en-US" dirty="0" err="1" smtClean="0"/>
+              <a:t>inteiros</a:t>
+            </a:r>
+            <a:r>
+              <a:rPr lang="en-US" dirty="0" smtClean="0"/>
+              <a:t>.</a:t>
+            </a:r>
+            <a:endParaRPr lang="en-US" dirty="0"/>
           </a:p>
         </p:txBody>
       </p:sp>
@@ -2241,7 +4245,303 @@
           <a:bodyPr/>
           <a:lstStyle/>
           <a:p>
-            <a:endParaRPr lang="en-US"/>
+            <a:r>
+              <a:rPr lang="en-US" dirty="0" err="1" smtClean="0"/>
+              <a:t>Portanto</a:t>
+            </a:r>
+            <a:r>
+              <a:rPr lang="en-US" dirty="0" smtClean="0"/>
+              <a:t> Como </a:t>
+            </a:r>
+            <a:r>
+              <a:rPr lang="en-US" dirty="0" err="1" smtClean="0"/>
+              <a:t>geramos</a:t>
+            </a:r>
+            <a:r>
+              <a:rPr lang="en-US" dirty="0" smtClean="0"/>
+              <a:t> o </a:t>
+            </a:r>
+            <a:r>
+              <a:rPr lang="en-US" dirty="0" err="1" smtClean="0"/>
+              <a:t>Codigo</a:t>
+            </a:r>
+            <a:r>
+              <a:rPr lang="en-US" dirty="0" smtClean="0"/>
+              <a:t> </a:t>
+            </a:r>
+            <a:r>
+              <a:rPr lang="en-US" dirty="0" err="1" smtClean="0"/>
+              <a:t>Mips</a:t>
+            </a:r>
+            <a:r>
+              <a:rPr lang="en-US" dirty="0" smtClean="0"/>
+              <a:t> no </a:t>
+            </a:r>
+            <a:r>
+              <a:rPr lang="en-US" dirty="0" err="1" smtClean="0"/>
+              <a:t>nosso</a:t>
+            </a:r>
+            <a:r>
+              <a:rPr lang="en-US" dirty="0" smtClean="0"/>
+              <a:t> </a:t>
+            </a:r>
+            <a:r>
+              <a:rPr lang="en-US" dirty="0" err="1" smtClean="0"/>
+              <a:t>projecto</a:t>
+            </a:r>
+            <a:r>
+              <a:rPr lang="en-US" dirty="0" smtClean="0"/>
+              <a:t>? </a:t>
+            </a:r>
+            <a:r>
+              <a:rPr lang="en-US" dirty="0" err="1" smtClean="0"/>
+              <a:t>Metemos</a:t>
+            </a:r>
+            <a:r>
+              <a:rPr lang="en-US" dirty="0" smtClean="0"/>
+              <a:t> a </a:t>
+            </a:r>
+            <a:r>
+              <a:rPr lang="en-US" dirty="0" err="1" smtClean="0"/>
+              <a:t>gramatica</a:t>
+            </a:r>
+            <a:r>
+              <a:rPr lang="en-US" dirty="0" smtClean="0"/>
+              <a:t> de </a:t>
+            </a:r>
+            <a:r>
+              <a:rPr lang="en-US" dirty="0" err="1" smtClean="0"/>
+              <a:t>atributos</a:t>
+            </a:r>
+            <a:r>
+              <a:rPr lang="en-US" dirty="0" smtClean="0"/>
+              <a:t> LISS com </a:t>
+            </a:r>
+            <a:r>
+              <a:rPr lang="en-US" dirty="0" err="1" smtClean="0"/>
+              <a:t>Antlr</a:t>
+            </a:r>
+            <a:r>
+              <a:rPr lang="en-US" dirty="0" smtClean="0"/>
+              <a:t> ( </a:t>
+            </a:r>
+            <a:r>
+              <a:rPr lang="en-US" dirty="0" err="1" smtClean="0"/>
+              <a:t>realçar</a:t>
+            </a:r>
+            <a:r>
+              <a:rPr lang="en-US" dirty="0" smtClean="0"/>
+              <a:t> que as </a:t>
+            </a:r>
+            <a:r>
+              <a:rPr lang="en-US" dirty="0" err="1" smtClean="0"/>
+              <a:t>instruçoes</a:t>
+            </a:r>
+            <a:r>
+              <a:rPr lang="en-US" dirty="0" smtClean="0"/>
+              <a:t> </a:t>
+            </a:r>
+            <a:r>
+              <a:rPr lang="en-US" dirty="0" err="1" smtClean="0"/>
+              <a:t>mips</a:t>
+            </a:r>
+            <a:r>
+              <a:rPr lang="en-US" dirty="0" smtClean="0"/>
+              <a:t> </a:t>
+            </a:r>
+            <a:r>
+              <a:rPr lang="en-US" dirty="0" err="1" smtClean="0"/>
+              <a:t>estao</a:t>
+            </a:r>
+            <a:r>
+              <a:rPr lang="en-US" dirty="0" smtClean="0"/>
+              <a:t> </a:t>
+            </a:r>
+            <a:r>
+              <a:rPr lang="en-US" dirty="0" err="1" smtClean="0"/>
+              <a:t>nessa</a:t>
+            </a:r>
+            <a:r>
+              <a:rPr lang="en-US" dirty="0" smtClean="0"/>
+              <a:t> </a:t>
+            </a:r>
+            <a:r>
+              <a:rPr lang="en-US" dirty="0" err="1" smtClean="0"/>
+              <a:t>gramatica</a:t>
+            </a:r>
+            <a:r>
+              <a:rPr lang="en-US" dirty="0" smtClean="0"/>
+              <a:t> de </a:t>
+            </a:r>
+            <a:r>
+              <a:rPr lang="en-US" dirty="0" err="1" smtClean="0"/>
+              <a:t>atributos</a:t>
+            </a:r>
+            <a:r>
+              <a:rPr lang="en-US" dirty="0" smtClean="0"/>
+              <a:t>)</a:t>
+            </a:r>
+            <a:r>
+              <a:rPr lang="en-US" dirty="0" err="1" smtClean="0"/>
+              <a:t>depois</a:t>
+            </a:r>
+            <a:r>
+              <a:rPr lang="en-US" dirty="0" smtClean="0"/>
+              <a:t>, </a:t>
+            </a:r>
+            <a:r>
+              <a:rPr lang="en-US" dirty="0" err="1" smtClean="0"/>
+              <a:t>em</a:t>
+            </a:r>
+            <a:r>
+              <a:rPr lang="en-US" dirty="0" smtClean="0"/>
+              <a:t> </a:t>
+            </a:r>
+            <a:r>
+              <a:rPr lang="en-US" dirty="0" err="1" smtClean="0"/>
+              <a:t>conjunto</a:t>
+            </a:r>
+            <a:r>
+              <a:rPr lang="en-US" dirty="0" smtClean="0"/>
+              <a:t> com </a:t>
+            </a:r>
+            <a:r>
+              <a:rPr lang="en-US" dirty="0" err="1" smtClean="0"/>
+              <a:t>antlr</a:t>
+            </a:r>
+            <a:r>
+              <a:rPr lang="en-US" dirty="0" smtClean="0"/>
+              <a:t>, </a:t>
+            </a:r>
+            <a:r>
+              <a:rPr lang="en-US" dirty="0" err="1" smtClean="0"/>
+              <a:t>criamos</a:t>
+            </a:r>
+            <a:r>
+              <a:rPr lang="en-US" dirty="0" smtClean="0"/>
+              <a:t> o </a:t>
+            </a:r>
+            <a:r>
+              <a:rPr lang="en-US" dirty="0" err="1" smtClean="0"/>
+              <a:t>compilador</a:t>
+            </a:r>
+            <a:r>
+              <a:rPr lang="en-US" dirty="0" smtClean="0"/>
+              <a:t>. e </a:t>
+            </a:r>
+            <a:r>
+              <a:rPr lang="en-US" dirty="0" err="1" smtClean="0"/>
+              <a:t>por</a:t>
+            </a:r>
+            <a:r>
+              <a:rPr lang="en-US" dirty="0" smtClean="0"/>
+              <a:t> </a:t>
+            </a:r>
+            <a:r>
+              <a:rPr lang="en-US" dirty="0" err="1" smtClean="0"/>
+              <a:t>fim</a:t>
+            </a:r>
+            <a:r>
+              <a:rPr lang="en-US" dirty="0" smtClean="0"/>
+              <a:t> com </a:t>
+            </a:r>
+            <a:r>
+              <a:rPr lang="en-US" dirty="0" err="1" smtClean="0"/>
+              <a:t>esse</a:t>
+            </a:r>
+            <a:r>
+              <a:rPr lang="en-US" dirty="0" smtClean="0"/>
+              <a:t> </a:t>
+            </a:r>
+            <a:r>
+              <a:rPr lang="en-US" dirty="0" err="1" smtClean="0"/>
+              <a:t>compilador</a:t>
+            </a:r>
+            <a:r>
+              <a:rPr lang="en-US" dirty="0" smtClean="0"/>
+              <a:t> </a:t>
+            </a:r>
+            <a:r>
+              <a:rPr lang="en-US" dirty="0" err="1" smtClean="0"/>
+              <a:t>ao</a:t>
+            </a:r>
+            <a:r>
+              <a:rPr lang="en-US" dirty="0" smtClean="0"/>
+              <a:t> </a:t>
+            </a:r>
+            <a:r>
+              <a:rPr lang="en-US" dirty="0" err="1" smtClean="0"/>
+              <a:t>inserir</a:t>
+            </a:r>
+            <a:r>
+              <a:rPr lang="en-US" dirty="0" smtClean="0"/>
+              <a:t> um </a:t>
+            </a:r>
+            <a:r>
+              <a:rPr lang="en-US" dirty="0" err="1" smtClean="0"/>
+              <a:t>codigo</a:t>
+            </a:r>
+            <a:r>
+              <a:rPr lang="en-US" dirty="0" smtClean="0"/>
+              <a:t> da </a:t>
+            </a:r>
+            <a:r>
+              <a:rPr lang="en-US" dirty="0" err="1" smtClean="0"/>
+              <a:t>linguagem</a:t>
+            </a:r>
+            <a:r>
+              <a:rPr lang="en-US" dirty="0" smtClean="0"/>
+              <a:t> </a:t>
+            </a:r>
+            <a:r>
+              <a:rPr lang="en-US" dirty="0" err="1" smtClean="0"/>
+              <a:t>liss</a:t>
+            </a:r>
+            <a:r>
+              <a:rPr lang="en-US" dirty="0" smtClean="0"/>
+              <a:t> </a:t>
+            </a:r>
+            <a:r>
+              <a:rPr lang="en-US" dirty="0" err="1" smtClean="0"/>
+              <a:t>ele</a:t>
+            </a:r>
+            <a:r>
+              <a:rPr lang="en-US" dirty="0" smtClean="0"/>
+              <a:t> </a:t>
+            </a:r>
+            <a:r>
+              <a:rPr lang="en-US" dirty="0" err="1" smtClean="0"/>
+              <a:t>gera</a:t>
+            </a:r>
+            <a:r>
+              <a:rPr lang="en-US" dirty="0" smtClean="0"/>
+              <a:t> </a:t>
+            </a:r>
+            <a:r>
+              <a:rPr lang="en-US" dirty="0" err="1" smtClean="0"/>
+              <a:t>mips</a:t>
+            </a:r>
+            <a:r>
+              <a:rPr lang="en-US" dirty="0" smtClean="0"/>
+              <a:t> assembly code </a:t>
+            </a:r>
+            <a:r>
+              <a:rPr lang="en-US" dirty="0" err="1" smtClean="0"/>
+              <a:t>como</a:t>
+            </a:r>
+            <a:r>
+              <a:rPr lang="en-US" dirty="0" smtClean="0"/>
+              <a:t> </a:t>
+            </a:r>
+            <a:r>
+              <a:rPr lang="en-US" dirty="0" err="1" smtClean="0"/>
+              <a:t>resultado</a:t>
+            </a:r>
+            <a:r>
+              <a:rPr lang="en-US" dirty="0" smtClean="0"/>
+              <a:t>.</a:t>
+            </a:r>
+            <a:endParaRPr lang="en-US" dirty="0"/>
           </a:p>
         </p:txBody>
       </p:sp>
@@ -2344,7 +4644,183 @@
           <a:bodyPr/>
           <a:lstStyle/>
           <a:p>
-            <a:endParaRPr lang="en-US"/>
+            <a:r>
+              <a:rPr lang="en-US" dirty="0" err="1" smtClean="0"/>
+              <a:t>Depois</a:t>
+            </a:r>
+            <a:r>
+              <a:rPr lang="en-US" dirty="0" smtClean="0"/>
+              <a:t> </a:t>
+            </a:r>
+            <a:r>
+              <a:rPr lang="en-US" dirty="0" err="1" smtClean="0"/>
+              <a:t>esse</a:t>
+            </a:r>
+            <a:r>
+              <a:rPr lang="en-US" dirty="0" smtClean="0"/>
+              <a:t> </a:t>
+            </a:r>
+            <a:r>
+              <a:rPr lang="en-US" dirty="0" err="1" smtClean="0"/>
+              <a:t>mips</a:t>
+            </a:r>
+            <a:r>
+              <a:rPr lang="en-US" dirty="0" smtClean="0"/>
+              <a:t> assembly code que </a:t>
+            </a:r>
+            <a:r>
+              <a:rPr lang="en-US" dirty="0" err="1" smtClean="0"/>
+              <a:t>foi</a:t>
+            </a:r>
+            <a:r>
+              <a:rPr lang="en-US" dirty="0" smtClean="0"/>
+              <a:t> </a:t>
+            </a:r>
+            <a:r>
+              <a:rPr lang="en-US" dirty="0" err="1" smtClean="0"/>
+              <a:t>gerado</a:t>
+            </a:r>
+            <a:r>
+              <a:rPr lang="en-US" dirty="0" smtClean="0"/>
+              <a:t>, </a:t>
+            </a:r>
+            <a:r>
+              <a:rPr lang="en-US" dirty="0" err="1" smtClean="0"/>
+              <a:t>é</a:t>
+            </a:r>
+            <a:r>
+              <a:rPr lang="en-US" dirty="0" smtClean="0"/>
+              <a:t> </a:t>
+            </a:r>
+            <a:r>
+              <a:rPr lang="en-US" dirty="0" err="1" smtClean="0"/>
+              <a:t>enviado</a:t>
+            </a:r>
+            <a:r>
+              <a:rPr lang="en-US" dirty="0" smtClean="0"/>
+              <a:t> a um </a:t>
+            </a:r>
+            <a:r>
+              <a:rPr lang="en-US" dirty="0" err="1" smtClean="0"/>
+              <a:t>simulador</a:t>
+            </a:r>
+            <a:r>
+              <a:rPr lang="en-US" dirty="0" smtClean="0"/>
+              <a:t> de </a:t>
+            </a:r>
+            <a:r>
+              <a:rPr lang="en-US" dirty="0" err="1" smtClean="0"/>
+              <a:t>codigo</a:t>
+            </a:r>
+            <a:r>
+              <a:rPr lang="en-US" dirty="0" smtClean="0"/>
+              <a:t> MIPS </a:t>
+            </a:r>
+            <a:r>
+              <a:rPr lang="en-US" dirty="0" err="1" smtClean="0"/>
+              <a:t>chamado</a:t>
+            </a:r>
+            <a:r>
+              <a:rPr lang="en-US" dirty="0" smtClean="0"/>
+              <a:t> Mars Simulator, </a:t>
+            </a:r>
+            <a:r>
+              <a:rPr lang="en-US" dirty="0" err="1" smtClean="0"/>
+              <a:t>donde</a:t>
+            </a:r>
+            <a:r>
+              <a:rPr lang="en-US" dirty="0" smtClean="0"/>
+              <a:t> a </a:t>
+            </a:r>
+            <a:r>
+              <a:rPr lang="en-US" dirty="0" err="1" smtClean="0"/>
+              <a:t>partir</a:t>
+            </a:r>
+            <a:r>
+              <a:rPr lang="en-US" dirty="0" smtClean="0"/>
+              <a:t> </a:t>
+            </a:r>
+            <a:r>
+              <a:rPr lang="en-US" dirty="0" err="1" smtClean="0"/>
+              <a:t>dai</a:t>
+            </a:r>
+            <a:r>
+              <a:rPr lang="en-US" dirty="0" smtClean="0"/>
+              <a:t>, </a:t>
+            </a:r>
+            <a:r>
+              <a:rPr lang="en-US" dirty="0" err="1" smtClean="0"/>
+              <a:t>ele</a:t>
+            </a:r>
+            <a:r>
+              <a:rPr lang="en-US" dirty="0" smtClean="0"/>
+              <a:t> </a:t>
+            </a:r>
+            <a:r>
+              <a:rPr lang="en-US" dirty="0" err="1" smtClean="0"/>
+              <a:t>executa</a:t>
+            </a:r>
+            <a:r>
+              <a:rPr lang="en-US" dirty="0" smtClean="0"/>
+              <a:t> o </a:t>
+            </a:r>
+            <a:r>
+              <a:rPr lang="en-US" dirty="0" err="1" smtClean="0"/>
+              <a:t>codigo</a:t>
+            </a:r>
+            <a:r>
+              <a:rPr lang="en-US" dirty="0" smtClean="0"/>
+              <a:t> e </a:t>
+            </a:r>
+            <a:r>
+              <a:rPr lang="en-US" dirty="0" err="1" smtClean="0"/>
+              <a:t>amostra</a:t>
+            </a:r>
+            <a:r>
+              <a:rPr lang="en-US" dirty="0" smtClean="0"/>
+              <a:t> o </a:t>
+            </a:r>
+            <a:r>
+              <a:rPr lang="en-US" dirty="0" err="1" smtClean="0"/>
+              <a:t>resultado</a:t>
+            </a:r>
+            <a:r>
+              <a:rPr lang="en-US" dirty="0" smtClean="0"/>
+              <a:t> da </a:t>
+            </a:r>
+            <a:r>
+              <a:rPr lang="en-US" dirty="0" err="1" smtClean="0"/>
+              <a:t>execuçao</a:t>
+            </a:r>
+            <a:r>
+              <a:rPr lang="en-US" dirty="0" smtClean="0"/>
+              <a:t> </a:t>
+            </a:r>
+            <a:r>
+              <a:rPr lang="en-US" dirty="0" err="1" smtClean="0"/>
+              <a:t>desse</a:t>
+            </a:r>
+            <a:r>
+              <a:rPr lang="en-US" dirty="0" smtClean="0"/>
+              <a:t> </a:t>
+            </a:r>
+            <a:r>
+              <a:rPr lang="en-US" dirty="0" err="1" smtClean="0"/>
+              <a:t>mesmo</a:t>
+            </a:r>
+            <a:r>
+              <a:rPr lang="en-US" dirty="0" smtClean="0"/>
+              <a:t> </a:t>
+            </a:r>
+            <a:r>
+              <a:rPr lang="en-US" dirty="0" err="1" smtClean="0"/>
+              <a:t>codigo</a:t>
+            </a:r>
+            <a:r>
+              <a:rPr lang="en-US" dirty="0" smtClean="0"/>
+              <a:t>.</a:t>
+            </a:r>
+            <a:endParaRPr lang="en-US" dirty="0"/>
           </a:p>
         </p:txBody>
       </p:sp>
@@ -2447,7 +4923,133 @@
           <a:bodyPr/>
           <a:lstStyle/>
           <a:p>
-            <a:endParaRPr lang="en-US"/>
+            <a:r>
+              <a:rPr lang="en-US" dirty="0" err="1" smtClean="0"/>
+              <a:t>Quais</a:t>
+            </a:r>
+            <a:r>
+              <a:rPr lang="en-US" dirty="0" smtClean="0"/>
+              <a:t> </a:t>
+            </a:r>
+            <a:r>
+              <a:rPr lang="en-US" dirty="0" err="1" smtClean="0"/>
+              <a:t>foram</a:t>
+            </a:r>
+            <a:r>
+              <a:rPr lang="en-US" dirty="0" smtClean="0"/>
+              <a:t> as </a:t>
+            </a:r>
+            <a:r>
+              <a:rPr lang="en-US" dirty="0" err="1" smtClean="0"/>
+              <a:t>tecnologias</a:t>
+            </a:r>
+            <a:r>
+              <a:rPr lang="en-US" dirty="0" smtClean="0"/>
+              <a:t> </a:t>
+            </a:r>
+            <a:r>
+              <a:rPr lang="en-US" dirty="0" err="1" smtClean="0"/>
+              <a:t>usadas</a:t>
+            </a:r>
+            <a:r>
+              <a:rPr lang="en-US" dirty="0" smtClean="0"/>
+              <a:t> no </a:t>
+            </a:r>
+            <a:r>
+              <a:rPr lang="en-US" dirty="0" err="1" smtClean="0"/>
+              <a:t>projecto</a:t>
+            </a:r>
+            <a:r>
+              <a:rPr lang="en-US" dirty="0" smtClean="0"/>
+              <a:t> ?</a:t>
+            </a:r>
+            <a:br>
+              <a:rPr lang="en-US" dirty="0" smtClean="0"/>
+            </a:br>
+            <a:r>
+              <a:rPr lang="en-US" dirty="0" smtClean="0"/>
+              <a:t>Para o </a:t>
+            </a:r>
+            <a:r>
+              <a:rPr lang="en-US" dirty="0" err="1" smtClean="0"/>
+              <a:t>compilador</a:t>
+            </a:r>
+            <a:r>
+              <a:rPr lang="en-US" dirty="0" smtClean="0"/>
+              <a:t>, </a:t>
+            </a:r>
+            <a:r>
+              <a:rPr lang="en-US" dirty="0" err="1" smtClean="0"/>
+              <a:t>foi</a:t>
+            </a:r>
+            <a:r>
+              <a:rPr lang="en-US" dirty="0" smtClean="0"/>
+              <a:t> </a:t>
+            </a:r>
+            <a:r>
+              <a:rPr lang="en-US" dirty="0" err="1" smtClean="0"/>
+              <a:t>usado</a:t>
+            </a:r>
+            <a:r>
+              <a:rPr lang="en-US" dirty="0" smtClean="0"/>
+              <a:t> </a:t>
+            </a:r>
+            <a:r>
+              <a:rPr lang="en-US" dirty="0" err="1" smtClean="0"/>
+              <a:t>ANtlr</a:t>
+            </a:r>
+            <a:r>
+              <a:rPr lang="en-US" dirty="0" smtClean="0"/>
+              <a:t> MIPS e Java</a:t>
+            </a:r>
+            <a:br>
+              <a:rPr lang="en-US" dirty="0" smtClean="0"/>
+            </a:br>
+            <a:r>
+              <a:rPr lang="en-US" dirty="0" smtClean="0"/>
+              <a:t>Para a </a:t>
+            </a:r>
+            <a:r>
+              <a:rPr lang="en-US" dirty="0" err="1" smtClean="0"/>
+              <a:t>criação</a:t>
+            </a:r>
+            <a:r>
+              <a:rPr lang="en-US" dirty="0" smtClean="0"/>
+              <a:t> do SDE, HTML5 </a:t>
+            </a:r>
+            <a:r>
+              <a:rPr lang="en-US" dirty="0" err="1" smtClean="0"/>
+              <a:t>Javascript</a:t>
+            </a:r>
+            <a:r>
+              <a:rPr lang="en-US" dirty="0" smtClean="0"/>
+              <a:t>, Java, IntelliJ, </a:t>
+            </a:r>
+            <a:r>
+              <a:rPr lang="en-US" dirty="0" err="1" smtClean="0"/>
+              <a:t>javaFx</a:t>
+            </a:r>
+            <a:r>
+              <a:rPr lang="en-US" dirty="0" smtClean="0"/>
+              <a:t>, </a:t>
+            </a:r>
+            <a:r>
+              <a:rPr lang="en-US" dirty="0" err="1" smtClean="0"/>
+              <a:t>RichtextFx</a:t>
+            </a:r>
+            <a:r>
+              <a:rPr lang="en-US" dirty="0" smtClean="0"/>
+              <a:t> e o </a:t>
+            </a:r>
+            <a:r>
+              <a:rPr lang="en-US" dirty="0" err="1" smtClean="0"/>
+              <a:t>simulador</a:t>
+            </a:r>
+            <a:r>
+              <a:rPr lang="en-US" dirty="0" smtClean="0"/>
+              <a:t> MARS.</a:t>
+            </a:r>
+            <a:endParaRPr lang="en-US" dirty="0"/>
           </a:p>
         </p:txBody>
       </p:sp>
@@ -2637,7 +5239,7 @@
           <a:p>
             <a:fld id="{B9B5293C-784B-0247-9DC7-2F403AEF0D9D}" type="datetimeFigureOut">
               <a:rPr lang="en-US" smtClean="0"/>
-              <a:t>6/8/16</a:t>
+              <a:t>6/12/16</a:t>
             </a:fld>
             <a:endParaRPr lang="en-US"/>
           </a:p>
@@ -2807,7 +5409,7 @@
           <a:p>
             <a:fld id="{B9B5293C-784B-0247-9DC7-2F403AEF0D9D}" type="datetimeFigureOut">
               <a:rPr lang="en-US" smtClean="0"/>
-              <a:t>6/8/16</a:t>
+              <a:t>6/12/16</a:t>
             </a:fld>
             <a:endParaRPr lang="en-US"/>
           </a:p>
@@ -2987,7 +5589,7 @@
           <a:p>
             <a:fld id="{B9B5293C-784B-0247-9DC7-2F403AEF0D9D}" type="datetimeFigureOut">
               <a:rPr lang="en-US" smtClean="0"/>
-              <a:t>6/8/16</a:t>
+              <a:t>6/12/16</a:t>
             </a:fld>
             <a:endParaRPr lang="en-US"/>
           </a:p>
@@ -3157,7 +5759,7 @@
           <a:p>
             <a:fld id="{B9B5293C-784B-0247-9DC7-2F403AEF0D9D}" type="datetimeFigureOut">
               <a:rPr lang="en-US" smtClean="0"/>
-              <a:t>6/8/16</a:t>
+              <a:t>6/12/16</a:t>
             </a:fld>
             <a:endParaRPr lang="en-US"/>
           </a:p>
@@ -3403,7 +6005,7 @@
           <a:p>
             <a:fld id="{B9B5293C-784B-0247-9DC7-2F403AEF0D9D}" type="datetimeFigureOut">
               <a:rPr lang="en-US" smtClean="0"/>
-              <a:t>6/8/16</a:t>
+              <a:t>6/12/16</a:t>
             </a:fld>
             <a:endParaRPr lang="en-US"/>
           </a:p>
@@ -3635,7 +6237,7 @@
           <a:p>
             <a:fld id="{B9B5293C-784B-0247-9DC7-2F403AEF0D9D}" type="datetimeFigureOut">
               <a:rPr lang="en-US" smtClean="0"/>
-              <a:t>6/8/16</a:t>
+              <a:t>6/12/16</a:t>
             </a:fld>
             <a:endParaRPr lang="en-US"/>
           </a:p>
@@ -4002,7 +6604,7 @@
           <a:p>
             <a:fld id="{B9B5293C-784B-0247-9DC7-2F403AEF0D9D}" type="datetimeFigureOut">
               <a:rPr lang="en-US" smtClean="0"/>
-              <a:t>6/8/16</a:t>
+              <a:t>6/12/16</a:t>
             </a:fld>
             <a:endParaRPr lang="en-US"/>
           </a:p>
@@ -4120,7 +6722,7 @@
           <a:p>
             <a:fld id="{B9B5293C-784B-0247-9DC7-2F403AEF0D9D}" type="datetimeFigureOut">
               <a:rPr lang="en-US" smtClean="0"/>
-              <a:t>6/8/16</a:t>
+              <a:t>6/12/16</a:t>
             </a:fld>
             <a:endParaRPr lang="en-US"/>
           </a:p>
@@ -4215,7 +6817,7 @@
           <a:p>
             <a:fld id="{B9B5293C-784B-0247-9DC7-2F403AEF0D9D}" type="datetimeFigureOut">
               <a:rPr lang="en-US" smtClean="0"/>
-              <a:t>6/8/16</a:t>
+              <a:t>6/12/16</a:t>
             </a:fld>
             <a:endParaRPr lang="en-US"/>
           </a:p>
@@ -4492,7 +7094,7 @@
           <a:p>
             <a:fld id="{B9B5293C-784B-0247-9DC7-2F403AEF0D9D}" type="datetimeFigureOut">
               <a:rPr lang="en-US" smtClean="0"/>
-              <a:t>6/8/16</a:t>
+              <a:t>6/12/16</a:t>
             </a:fld>
             <a:endParaRPr lang="en-US"/>
           </a:p>
@@ -4745,7 +7347,7 @@
           <a:p>
             <a:fld id="{B9B5293C-784B-0247-9DC7-2F403AEF0D9D}" type="datetimeFigureOut">
               <a:rPr lang="en-US" smtClean="0"/>
-              <a:t>6/8/16</a:t>
+              <a:t>6/12/16</a:t>
             </a:fld>
             <a:endParaRPr lang="en-US"/>
           </a:p>
@@ -4958,7 +7560,7 @@
           <a:p>
             <a:fld id="{B9B5293C-784B-0247-9DC7-2F403AEF0D9D}" type="datetimeFigureOut">
               <a:rPr lang="en-US" smtClean="0"/>
-              <a:t>6/8/16</a:t>
+              <a:t>6/12/16</a:t>
             </a:fld>
             <a:endParaRPr lang="en-US"/>
           </a:p>
@@ -6155,9 +8757,6 @@
               </a:rPr>
               <a:t>LISS|SDE</a:t>
             </a:r>
-            <a:endParaRPr lang="pt-PT" sz="5400" dirty="0">
-              <a:ln w="0"/>
-            </a:endParaRPr>
           </a:p>
         </p:txBody>
       </p:sp>
@@ -6308,6 +8907,139 @@
           </a:p>
         </p:txBody>
       </p:sp>
+      <p:sp>
+        <p:nvSpPr>
+          <p:cNvPr id="2" name="Rectangle 1"/>
+          <p:cNvSpPr/>
+          <p:nvPr/>
+        </p:nvSpPr>
+        <p:spPr>
+          <a:xfrm>
+            <a:off x="-4538088" y="2092036"/>
+            <a:ext cx="3962400" cy="3699164"/>
+          </a:xfrm>
+          <a:prstGeom prst="rect">
+            <a:avLst/>
+          </a:prstGeom>
+          <a:noFill/>
+        </p:spPr>
+        <p:style>
+          <a:lnRef idx="2">
+            <a:schemeClr val="accent1">
+              <a:shade val="50000"/>
+            </a:schemeClr>
+          </a:lnRef>
+          <a:fillRef idx="1">
+            <a:schemeClr val="accent1"/>
+          </a:fillRef>
+          <a:effectRef idx="0">
+            <a:schemeClr val="accent1"/>
+          </a:effectRef>
+          <a:fontRef idx="minor">
+            <a:schemeClr val="lt1"/>
+          </a:fontRef>
+        </p:style>
+        <p:txBody>
+          <a:bodyPr rtlCol="0" anchor="ctr"/>
+          <a:lstStyle/>
+          <a:p>
+            <a:pPr algn="ctr"/>
+            <a:endParaRPr lang="en-US"/>
+          </a:p>
+        </p:txBody>
+      </p:sp>
+      <p:sp>
+        <p:nvSpPr>
+          <p:cNvPr id="11" name="Rectangle 10"/>
+          <p:cNvSpPr/>
+          <p:nvPr/>
+        </p:nvSpPr>
+        <p:spPr>
+          <a:xfrm>
+            <a:off x="12711385" y="2092036"/>
+            <a:ext cx="3963983" cy="3699164"/>
+          </a:xfrm>
+          <a:prstGeom prst="rect">
+            <a:avLst/>
+          </a:prstGeom>
+          <a:noFill/>
+          <a:ln>
+            <a:solidFill>
+              <a:schemeClr val="accent2"/>
+            </a:solidFill>
+          </a:ln>
+        </p:spPr>
+        <p:style>
+          <a:lnRef idx="2">
+            <a:schemeClr val="accent1">
+              <a:shade val="50000"/>
+            </a:schemeClr>
+          </a:lnRef>
+          <a:fillRef idx="1">
+            <a:schemeClr val="accent1"/>
+          </a:fillRef>
+          <a:effectRef idx="0">
+            <a:schemeClr val="accent1"/>
+          </a:effectRef>
+          <a:fontRef idx="minor">
+            <a:schemeClr val="lt1"/>
+          </a:fontRef>
+        </p:style>
+        <p:txBody>
+          <a:bodyPr rtlCol="0" anchor="ctr"/>
+          <a:lstStyle/>
+          <a:p>
+            <a:pPr algn="ctr"/>
+            <a:endParaRPr lang="en-US"/>
+          </a:p>
+        </p:txBody>
+      </p:sp>
+      <p:sp>
+        <p:nvSpPr>
+          <p:cNvPr id="12" name="Rectangle 11"/>
+          <p:cNvSpPr/>
+          <p:nvPr/>
+        </p:nvSpPr>
+        <p:spPr>
+          <a:xfrm>
+            <a:off x="2105891" y="7062796"/>
+            <a:ext cx="7909647" cy="809625"/>
+          </a:xfrm>
+          <a:prstGeom prst="rect">
+            <a:avLst/>
+          </a:prstGeom>
+          <a:noFill/>
+          <a:ln>
+            <a:solidFill>
+              <a:schemeClr val="accent4"/>
+            </a:solidFill>
+          </a:ln>
+        </p:spPr>
+        <p:style>
+          <a:lnRef idx="2">
+            <a:schemeClr val="accent1">
+              <a:shade val="50000"/>
+            </a:schemeClr>
+          </a:lnRef>
+          <a:fillRef idx="1">
+            <a:schemeClr val="accent1"/>
+          </a:fillRef>
+          <a:effectRef idx="0">
+            <a:schemeClr val="accent1"/>
+          </a:effectRef>
+          <a:fontRef idx="minor">
+            <a:schemeClr val="lt1"/>
+          </a:fontRef>
+        </p:style>
+        <p:txBody>
+          <a:bodyPr rtlCol="0" anchor="ctr"/>
+          <a:lstStyle/>
+          <a:p>
+            <a:pPr algn="ctr"/>
+            <a:endParaRPr lang="en-US"/>
+          </a:p>
+        </p:txBody>
+      </p:sp>
     </p:spTree>
     <p:extLst>
       <p:ext uri="{BB962C8B-B14F-4D97-AF65-F5344CB8AC3E}">
@@ -6321,9 +9053,157 @@
   <p:timing>
     <p:tnLst>
       <p:par>
-        <p:cTn id="1" dur="indefinite" restart="never" nodeType="tmRoot"/>
+        <p:cTn id="1" dur="indefinite" restart="never" nodeType="tmRoot">
+          <p:childTnLst>
+            <p:seq concurrent="1" nextAc="seek">
+              <p:cTn id="2" dur="indefinite" nodeType="mainSeq">
+                <p:childTnLst>
+                  <p:par>
+                    <p:cTn id="3" fill="hold">
+                      <p:stCondLst>
+                        <p:cond delay="indefinite"/>
+                      </p:stCondLst>
+                      <p:childTnLst>
+                        <p:par>
+                          <p:cTn id="4" fill="hold">
+                            <p:stCondLst>
+                              <p:cond delay="0"/>
+                            </p:stCondLst>
+                            <p:childTnLst>
+                              <p:par>
+                                <p:cTn id="5" presetID="37" presetClass="path" presetSubtype="0" accel="50000" decel="50000" fill="hold" grpId="0" nodeType="clickEffect">
+                                  <p:stCondLst>
+                                    <p:cond delay="0"/>
+                                  </p:stCondLst>
+                                  <p:childTnLst>
+                                    <p:animMotion origin="layout" path="M -4.375E-6 -0.00509 L 0.14649 0.03866 C 0.17696 0.04861 0.22266 0.05393 0.27071 0.05393 C 0.32526 0.05393 0.36915 0.04861 0.39961 0.03866 L 0.5461 -0.00509 " pathEditMode="relative" rAng="0" ptsTypes="AAAAA">
+                                      <p:cBhvr>
+                                        <p:cTn id="6" dur="2000" fill="hold"/>
+                                        <p:tgtEl>
+                                          <p:spTgt spid="2"/>
+                                        </p:tgtEl>
+                                        <p:attrNameLst>
+                                          <p:attrName>ppt_x</p:attrName>
+                                          <p:attrName>ppt_y</p:attrName>
+                                        </p:attrNameLst>
+                                      </p:cBhvr>
+                                      <p:rCtr x="27305" y="2940"/>
+                                    </p:animMotion>
+                                  </p:childTnLst>
+                                </p:cTn>
+                              </p:par>
+                            </p:childTnLst>
+                          </p:cTn>
+                        </p:par>
+                      </p:childTnLst>
+                    </p:cTn>
+                  </p:par>
+                  <p:par>
+                    <p:cTn id="7" fill="hold">
+                      <p:stCondLst>
+                        <p:cond delay="indefinite"/>
+                      </p:stCondLst>
+                      <p:childTnLst>
+                        <p:par>
+                          <p:cTn id="8" fill="hold">
+                            <p:stCondLst>
+                              <p:cond delay="0"/>
+                            </p:stCondLst>
+                            <p:childTnLst>
+                              <p:par>
+                                <p:cTn id="9" presetID="37" presetClass="path" presetSubtype="0" accel="50000" decel="50000" fill="hold" grpId="0" nodeType="clickEffect">
+                                  <p:stCondLst>
+                                    <p:cond delay="0"/>
+                                  </p:stCondLst>
+                                  <p:childTnLst>
+                                    <p:animMotion origin="layout" path="M -0.54375 -0.00093 L -0.33099 0.03958 C -0.28685 0.04861 -0.22018 0.05393 -0.15039 0.05393 C -0.07097 0.05393 -0.00716 0.04861 0.03698 0.03958 L 0.25 -0.00093 " pathEditMode="relative" rAng="0" ptsTypes="AAAAA">
+                                      <p:cBhvr>
+                                        <p:cTn id="10" dur="2000" spd="-100000" fill="hold"/>
+                                        <p:tgtEl>
+                                          <p:spTgt spid="11"/>
+                                        </p:tgtEl>
+                                        <p:attrNameLst>
+                                          <p:attrName>ppt_x</p:attrName>
+                                          <p:attrName>ppt_y</p:attrName>
+                                        </p:attrNameLst>
+                                      </p:cBhvr>
+                                      <p:rCtr x="39687" y="2731"/>
+                                    </p:animMotion>
+                                  </p:childTnLst>
+                                </p:cTn>
+                              </p:par>
+                            </p:childTnLst>
+                          </p:cTn>
+                        </p:par>
+                      </p:childTnLst>
+                    </p:cTn>
+                  </p:par>
+                  <p:par>
+                    <p:cTn id="11" fill="hold">
+                      <p:stCondLst>
+                        <p:cond delay="indefinite"/>
+                      </p:stCondLst>
+                      <p:childTnLst>
+                        <p:par>
+                          <p:cTn id="12" fill="hold">
+                            <p:stCondLst>
+                              <p:cond delay="0"/>
+                            </p:stCondLst>
+                            <p:childTnLst>
+                              <p:par>
+                                <p:cTn id="13" presetID="42" presetClass="path" presetSubtype="0" accel="50000" decel="50000" fill="hold" grpId="0" nodeType="clickEffect">
+                                  <p:stCondLst>
+                                    <p:cond delay="0"/>
+                                  </p:stCondLst>
+                                  <p:childTnLst>
+                                    <p:animMotion origin="layout" path="M 4.58333E-6 1.11111E-6 L 0.00065 -0.19236 " pathEditMode="relative" rAng="0" ptsTypes="AA">
+                                      <p:cBhvr>
+                                        <p:cTn id="14" dur="2000" fill="hold"/>
+                                        <p:tgtEl>
+                                          <p:spTgt spid="12"/>
+                                        </p:tgtEl>
+                                        <p:attrNameLst>
+                                          <p:attrName>ppt_x</p:attrName>
+                                          <p:attrName>ppt_y</p:attrName>
+                                        </p:attrNameLst>
+                                      </p:cBhvr>
+                                      <p:rCtr x="26" y="-9630"/>
+                                    </p:animMotion>
+                                  </p:childTnLst>
+                                </p:cTn>
+                              </p:par>
+                            </p:childTnLst>
+                          </p:cTn>
+                        </p:par>
+                      </p:childTnLst>
+                    </p:cTn>
+                  </p:par>
+                </p:childTnLst>
+              </p:cTn>
+              <p:prevCondLst>
+                <p:cond evt="onPrev" delay="0">
+                  <p:tgtEl>
+                    <p:sldTgt/>
+                  </p:tgtEl>
+                </p:cond>
+              </p:prevCondLst>
+              <p:nextCondLst>
+                <p:cond evt="onNext" delay="0">
+                  <p:tgtEl>
+                    <p:sldTgt/>
+                  </p:tgtEl>
+                </p:cond>
+              </p:nextCondLst>
+            </p:seq>
+          </p:childTnLst>
+        </p:cTn>
       </p:par>
     </p:tnLst>
+    <p:bldLst>
+      <p:bldP spid="2" grpId="0" animBg="1"/>
+      <p:bldP spid="11" grpId="0" animBg="1"/>
+      <p:bldP spid="12" grpId="0" animBg="1"/>
+    </p:bldLst>
   </p:timing>
 </p:sld>
 </file>
@@ -6450,9 +9330,6 @@
               </a:rPr>
               <a:t>LISS|SDE</a:t>
             </a:r>
-            <a:endParaRPr lang="pt-PT" sz="5400" dirty="0">
-              <a:ln w="0"/>
-            </a:endParaRPr>
           </a:p>
         </p:txBody>
       </p:sp>
@@ -6950,9 +9827,6 @@
               </a:rPr>
               <a:t>LISS|SDE</a:t>
             </a:r>
-            <a:endParaRPr lang="pt-PT" sz="5400" dirty="0">
-              <a:ln w="0"/>
-            </a:endParaRPr>
           </a:p>
         </p:txBody>
       </p:sp>
@@ -7419,9 +10293,6 @@
               </a:rPr>
               <a:t>LISS|SDE</a:t>
             </a:r>
-            <a:endParaRPr lang="pt-PT" sz="5400" dirty="0">
-              <a:ln w="0"/>
-            </a:endParaRPr>
           </a:p>
         </p:txBody>
       </p:sp>
@@ -7748,9 +10619,6 @@
               </a:rPr>
               <a:t>LISS|SDE</a:t>
             </a:r>
-            <a:endParaRPr lang="pt-PT" sz="5400" dirty="0">
-              <a:ln w="0"/>
-            </a:endParaRPr>
           </a:p>
         </p:txBody>
       </p:sp>
@@ -8043,9 +10911,6 @@
               </a:rPr>
               <a:t>LISS|SDE</a:t>
             </a:r>
-            <a:endParaRPr lang="pt-PT" sz="5400" dirty="0">
-              <a:ln w="0"/>
-            </a:endParaRPr>
           </a:p>
         </p:txBody>
       </p:sp>
@@ -8440,7 +11305,15 @@
             </a:r>
             <a:r>
               <a:rPr lang="en-US" dirty="0" smtClean="0"/>
-              <a:t> code generator (75% - Sets type missing)</a:t>
+              <a:t> code generator </a:t>
+            </a:r>
+            <a:r>
+              <a:rPr lang="en-US" dirty="0" smtClean="0"/>
+              <a:t>( </a:t>
+            </a:r>
+            <a:r>
+              <a:rPr lang="en-US" dirty="0" smtClean="0"/>
+              <a:t>Sets type missing)</a:t>
             </a:r>
             <a:endParaRPr lang="en-US" dirty="0"/>
           </a:p>
@@ -8860,6 +11733,99 @@
           </a:p>
         </p:txBody>
       </p:sp>
+      <p:sp>
+        <p:nvSpPr>
+          <p:cNvPr id="3" name="TextBox 2"/>
+          <p:cNvSpPr txBox="1"/>
+          <p:nvPr/>
+        </p:nvSpPr>
+        <p:spPr>
+          <a:xfrm>
+            <a:off x="2317927" y="6179128"/>
+            <a:ext cx="6576800" cy="369332"/>
+          </a:xfrm>
+          <a:prstGeom prst="rect">
+            <a:avLst/>
+          </a:prstGeom>
+          <a:noFill/>
+        </p:spPr>
+        <p:txBody>
+          <a:bodyPr wrap="none" rtlCol="0">
+            <a:spAutoFit/>
+          </a:bodyPr>
+          <a:lstStyle/>
+          <a:p>
+            <a:r>
+              <a:rPr lang="en-US" dirty="0" smtClean="0"/>
+              <a:t>Project available on </a:t>
+            </a:r>
+            <a:r>
+              <a:rPr lang="en-US" dirty="0" err="1" smtClean="0"/>
+              <a:t>github</a:t>
+            </a:r>
+            <a:r>
+              <a:rPr lang="en-US" dirty="0"/>
+              <a:t>: </a:t>
+            </a:r>
+            <a:r>
+              <a:rPr lang="en-US" dirty="0">
+                <a:solidFill>
+                  <a:schemeClr val="accent1"/>
+                </a:solidFill>
+              </a:rPr>
+              <a:t>https://</a:t>
+            </a:r>
+            <a:r>
+              <a:rPr lang="en-US" dirty="0" err="1">
+                <a:solidFill>
+                  <a:schemeClr val="accent1"/>
+                </a:solidFill>
+              </a:rPr>
+              <a:t>github.com</a:t>
+            </a:r>
+            <a:r>
+              <a:rPr lang="en-US" dirty="0">
+                <a:solidFill>
+                  <a:schemeClr val="accent1"/>
+                </a:solidFill>
+              </a:rPr>
+              <a:t>/</a:t>
+            </a:r>
+            <a:r>
+              <a:rPr lang="en-US" dirty="0" err="1">
+                <a:solidFill>
+                  <a:schemeClr val="accent1"/>
+                </a:solidFill>
+              </a:rPr>
+              <a:t>damienvaz</a:t>
+            </a:r>
+            <a:r>
+              <a:rPr lang="en-US" dirty="0">
+                <a:solidFill>
+                  <a:schemeClr val="accent1"/>
+                </a:solidFill>
+              </a:rPr>
+              <a:t>/</a:t>
+            </a:r>
+            <a:r>
+              <a:rPr lang="en-US" dirty="0" err="1">
+                <a:solidFill>
+                  <a:schemeClr val="accent1"/>
+                </a:solidFill>
+              </a:rPr>
+              <a:t>Liss</a:t>
+            </a:r>
+            <a:r>
+              <a:rPr lang="en-US" dirty="0">
+                <a:solidFill>
+                  <a:schemeClr val="accent1"/>
+                </a:solidFill>
+              </a:rPr>
+              <a:t>-SDE </a:t>
+            </a:r>
+          </a:p>
+        </p:txBody>
+      </p:sp>
     </p:spTree>
     <p:extLst>
       <p:ext uri="{BB962C8B-B14F-4D97-AF65-F5344CB8AC3E}">
@@ -9091,15 +12057,7 @@
           <a:p>
             <a:r>
               <a:rPr lang="en-US" sz="3200" dirty="0" smtClean="0"/>
-              <a:t>-  </a:t>
-            </a:r>
-            <a:r>
-              <a:rPr lang="en-US" sz="3200" dirty="0" smtClean="0"/>
-              <a:t>Implementing </a:t>
-            </a:r>
-            <a:r>
-              <a:rPr lang="en-US" sz="3200" dirty="0" smtClean="0"/>
-              <a:t>LISS with </a:t>
+              <a:t>-  Implementing LISS with </a:t>
             </a:r>
             <a:r>
               <a:rPr lang="en-US" sz="3200" dirty="0" err="1" smtClean="0"/>
@@ -11855,11 +14813,7 @@
             </a:r>
             <a:r>
               <a:rPr lang="en-US" dirty="0" smtClean="0"/>
-              <a:t>   -   </a:t>
-            </a:r>
-            <a:r>
-              <a:rPr lang="en-US" dirty="0" smtClean="0"/>
-              <a:t>JS</a:t>
+              <a:t>   -   JS</a:t>
             </a:r>
           </a:p>
           <a:p>
@@ -11871,30 +14825,17 @@
               <a:rPr lang="en-US" dirty="0" smtClean="0"/>
               <a:t>Java</a:t>
             </a:r>
-            <a:endParaRPr lang="en-US" dirty="0" smtClean="0"/>
-          </a:p>
-          <a:p>
-            <a:r>
-              <a:rPr lang="en-US" dirty="0" smtClean="0"/>
-              <a:t>    </a:t>
-            </a:r>
-            <a:r>
-              <a:rPr lang="en-US" dirty="0" smtClean="0"/>
-              <a:t>-   IntelliJ (IDE)</a:t>
-            </a:r>
-          </a:p>
-          <a:p>
-            <a:r>
-              <a:rPr lang="en-US" dirty="0" smtClean="0"/>
-              <a:t>    </a:t>
-            </a:r>
-            <a:r>
-              <a:rPr lang="en-US" dirty="0" smtClean="0"/>
-              <a:t>-   JavaFX ( </a:t>
-            </a:r>
-            <a:r>
-              <a:rPr lang="en-US" dirty="0" smtClean="0"/>
-              <a:t>set </a:t>
+          </a:p>
+          <a:p>
+            <a:r>
+              <a:rPr lang="en-US" dirty="0" smtClean="0"/>
+              <a:t>    -   IntelliJ (IDE)</a:t>
+            </a:r>
+          </a:p>
+          <a:p>
+            <a:r>
+              <a:rPr lang="en-US" dirty="0" smtClean="0"/>
+              <a:t>    -   JavaFX ( set </a:t>
             </a:r>
             <a:r>
               <a:rPr lang="en-US" dirty="0"/>
@@ -11904,7 +14845,6 @@
               <a:rPr lang="en-US" dirty="0" smtClean="0"/>
               <a:t>)</a:t>
             </a:r>
-            <a:endParaRPr lang="en-US" dirty="0" smtClean="0"/>
           </a:p>
           <a:p>
             <a:r>
@@ -11921,11 +14861,7 @@
             </a:r>
             <a:r>
               <a:rPr lang="en-US" dirty="0" smtClean="0"/>
-              <a:t> (Java </a:t>
-            </a:r>
-            <a:r>
-              <a:rPr lang="en-US" dirty="0" smtClean="0"/>
-              <a:t>plugin for creating a </a:t>
+              <a:t> (Java plugin for creating a </a:t>
             </a:r>
             <a:r>
               <a:rPr lang="en-US" dirty="0"/>
@@ -11933,13 +14869,8 @@
             </a:r>
             <a:r>
               <a:rPr lang="en-US" dirty="0" smtClean="0"/>
-              <a:t>highlighting</a:t>
-            </a:r>
-            <a:r>
-              <a:rPr lang="en-US" dirty="0" smtClean="0"/>
-              <a:t>)</a:t>
-            </a:r>
-            <a:endParaRPr lang="en-US" dirty="0" smtClean="0"/>
+              <a:t>highlighting)</a:t>
+            </a:r>
           </a:p>
           <a:p>
             <a:r>
